--- a/B4/Unit01_Hibernate Introduction.pptx
+++ b/B4/Unit01_Hibernate Introduction.pptx
@@ -3688,7 +3688,7 @@
           <a:p>
             <a:fld id="{264E3D48-F7DD-4FBC-95B7-BA31EB2DB1BA}" type="datetimeFigureOut">
               <a:rPr lang="en-US" smtClean="0"/>
-              <a:t>5/19/2023</a:t>
+              <a:t>5/26/2023</a:t>
             </a:fld>
             <a:endParaRPr lang="en-US"/>
           </a:p>
@@ -18372,7 +18372,12 @@
             <p:ph type="dt" sz="half" idx="10"/>
           </p:nvPr>
         </p:nvSpPr>
-        <p:spPr/>
+        <p:spPr>
+          <a:xfrm>
+            <a:off x="242888" y="4767263"/>
+            <a:ext cx="1367315" cy="273844"/>
+          </a:xfrm>
+        </p:spPr>
         <p:txBody>
           <a:bodyPr/>
           <a:lstStyle/>
@@ -18556,7 +18561,7 @@
           <a:lstStyle/>
           <a:p>
             <a:r>
-              <a:rPr lang="en-US" sz="1100">
+              <a:rPr lang="en-US" sz="1100" dirty="0">
                 <a:solidFill>
                   <a:srgbClr val="008080"/>
                 </a:solidFill>
@@ -18565,7 +18570,7 @@
               <a:t>&lt;</a:t>
             </a:r>
             <a:r>
-              <a:rPr lang="en-US" sz="1100">
+              <a:rPr lang="en-US" sz="1100" dirty="0">
                 <a:solidFill>
                   <a:srgbClr val="3F7F7F"/>
                 </a:solidFill>
@@ -18574,7 +18579,7 @@
               <a:t>dependencies</a:t>
             </a:r>
             <a:r>
-              <a:rPr lang="en-US" sz="1100">
+              <a:rPr lang="en-US" sz="1100" dirty="0">
                 <a:solidFill>
                   <a:srgbClr val="008080"/>
                 </a:solidFill>
@@ -18586,7 +18591,7 @@
           <a:p>
             <a:pPr lvl="1"/>
             <a:r>
-              <a:rPr lang="en-US" sz="1100">
+              <a:rPr lang="en-US" sz="1100" dirty="0">
                 <a:solidFill>
                   <a:srgbClr val="008080"/>
                 </a:solidFill>
@@ -18595,7 +18600,7 @@
               <a:t>&lt;</a:t>
             </a:r>
             <a:r>
-              <a:rPr lang="en-US" sz="1100">
+              <a:rPr lang="en-US" sz="1100" dirty="0">
                 <a:solidFill>
                   <a:srgbClr val="3F7F7F"/>
                 </a:solidFill>
@@ -18604,7 +18609,7 @@
               <a:t>dependency</a:t>
             </a:r>
             <a:r>
-              <a:rPr lang="en-US" sz="1100">
+              <a:rPr lang="en-US" sz="1100" dirty="0">
                 <a:solidFill>
                   <a:srgbClr val="008080"/>
                 </a:solidFill>
@@ -18616,7 +18621,7 @@
           <a:p>
             <a:pPr lvl="2"/>
             <a:r>
-              <a:rPr lang="en-US" sz="1100">
+              <a:rPr lang="en-US" sz="1100" dirty="0">
                 <a:solidFill>
                   <a:srgbClr val="008080"/>
                 </a:solidFill>
@@ -18625,7 +18630,7 @@
               <a:t>&lt;</a:t>
             </a:r>
             <a:r>
-              <a:rPr lang="en-US" sz="1100">
+              <a:rPr lang="en-US" sz="1100" dirty="0" err="1">
                 <a:solidFill>
                   <a:srgbClr val="3F7F7F"/>
                 </a:solidFill>
@@ -18634,7 +18639,7 @@
               <a:t>groupId</a:t>
             </a:r>
             <a:r>
-              <a:rPr lang="en-US" sz="1100">
+              <a:rPr lang="en-US" sz="1100" dirty="0">
                 <a:solidFill>
                   <a:srgbClr val="008080"/>
                 </a:solidFill>
@@ -18643,7 +18648,7 @@
               <a:t>&gt;</a:t>
             </a:r>
             <a:r>
-              <a:rPr lang="en-US" sz="1100">
+              <a:rPr lang="en-US" sz="1100" dirty="0" err="1">
                 <a:solidFill>
                   <a:srgbClr val="000000"/>
                 </a:solidFill>
@@ -18652,7 +18657,7 @@
               <a:t>org.hibernate</a:t>
             </a:r>
             <a:r>
-              <a:rPr lang="en-US" sz="1100">
+              <a:rPr lang="en-US" sz="1100" dirty="0">
                 <a:solidFill>
                   <a:srgbClr val="008080"/>
                 </a:solidFill>
@@ -18661,7 +18666,7 @@
               <a:t>&lt;/</a:t>
             </a:r>
             <a:r>
-              <a:rPr lang="en-US" sz="1100">
+              <a:rPr lang="en-US" sz="1100" dirty="0" err="1">
                 <a:solidFill>
                   <a:srgbClr val="3F7F7F"/>
                 </a:solidFill>
@@ -18670,7 +18675,7 @@
               <a:t>groupId</a:t>
             </a:r>
             <a:r>
-              <a:rPr lang="en-US" sz="1100">
+              <a:rPr lang="en-US" sz="1100" dirty="0">
                 <a:solidFill>
                   <a:srgbClr val="008080"/>
                 </a:solidFill>
@@ -18682,7 +18687,7 @@
           <a:p>
             <a:pPr lvl="2"/>
             <a:r>
-              <a:rPr lang="en-US" sz="1100">
+              <a:rPr lang="en-US" sz="1100" dirty="0">
                 <a:solidFill>
                   <a:srgbClr val="008080"/>
                 </a:solidFill>
@@ -18691,7 +18696,7 @@
               <a:t>&lt;</a:t>
             </a:r>
             <a:r>
-              <a:rPr lang="en-US" sz="1100">
+              <a:rPr lang="en-US" sz="1100" dirty="0" err="1">
                 <a:solidFill>
                   <a:srgbClr val="3F7F7F"/>
                 </a:solidFill>
@@ -18700,7 +18705,7 @@
               <a:t>artifactId</a:t>
             </a:r>
             <a:r>
-              <a:rPr lang="en-US" sz="1100">
+              <a:rPr lang="en-US" sz="1100" dirty="0">
                 <a:solidFill>
                   <a:srgbClr val="008080"/>
                 </a:solidFill>
@@ -18709,7 +18714,7 @@
               <a:t>&gt;</a:t>
             </a:r>
             <a:r>
-              <a:rPr lang="en-US" sz="1100">
+              <a:rPr lang="en-US" sz="1100" dirty="0">
                 <a:solidFill>
                   <a:srgbClr val="000000"/>
                 </a:solidFill>
@@ -18718,7 +18723,7 @@
               <a:t>hibernate-core</a:t>
             </a:r>
             <a:r>
-              <a:rPr lang="en-US" sz="1100">
+              <a:rPr lang="en-US" sz="1100" dirty="0">
                 <a:solidFill>
                   <a:srgbClr val="008080"/>
                 </a:solidFill>
@@ -18727,7 +18732,7 @@
               <a:t>&lt;/</a:t>
             </a:r>
             <a:r>
-              <a:rPr lang="en-US" sz="1100">
+              <a:rPr lang="en-US" sz="1100" dirty="0" err="1">
                 <a:solidFill>
                   <a:srgbClr val="3F7F7F"/>
                 </a:solidFill>
@@ -18736,7 +18741,7 @@
               <a:t>artifactId</a:t>
             </a:r>
             <a:r>
-              <a:rPr lang="en-US" sz="1100">
+              <a:rPr lang="en-US" sz="1100" dirty="0">
                 <a:solidFill>
                   <a:srgbClr val="008080"/>
                 </a:solidFill>
@@ -18748,7 +18753,7 @@
           <a:p>
             <a:pPr lvl="2"/>
             <a:r>
-              <a:rPr lang="en-US" sz="1100">
+              <a:rPr lang="en-US" sz="1100" dirty="0">
                 <a:solidFill>
                   <a:srgbClr val="008080"/>
                 </a:solidFill>
@@ -18757,7 +18762,7 @@
               <a:t>&lt;</a:t>
             </a:r>
             <a:r>
-              <a:rPr lang="en-US" sz="1100">
+              <a:rPr lang="en-US" sz="1100" dirty="0">
                 <a:solidFill>
                   <a:srgbClr val="3F7F7F"/>
                 </a:solidFill>
@@ -18766,7 +18771,7 @@
               <a:t>version</a:t>
             </a:r>
             <a:r>
-              <a:rPr lang="en-US" sz="1100">
+              <a:rPr lang="en-US" sz="1100" dirty="0">
                 <a:solidFill>
                   <a:srgbClr val="008080"/>
                 </a:solidFill>
@@ -18775,7 +18780,7 @@
               <a:t>&gt;</a:t>
             </a:r>
             <a:r>
-              <a:rPr lang="en-US" sz="1100">
+              <a:rPr lang="en-US" sz="1100" dirty="0">
                 <a:solidFill>
                   <a:srgbClr val="000000"/>
                 </a:solidFill>
@@ -18784,7 +18789,7 @@
               <a:t>5.4.12.Final</a:t>
             </a:r>
             <a:r>
-              <a:rPr lang="en-US" sz="1100">
+              <a:rPr lang="en-US" sz="1100" dirty="0">
                 <a:solidFill>
                   <a:srgbClr val="008080"/>
                 </a:solidFill>
@@ -18793,7 +18798,7 @@
               <a:t>&lt;/</a:t>
             </a:r>
             <a:r>
-              <a:rPr lang="en-US" sz="1100">
+              <a:rPr lang="en-US" sz="1100" dirty="0">
                 <a:solidFill>
                   <a:srgbClr val="3F7F7F"/>
                 </a:solidFill>
@@ -18802,7 +18807,7 @@
               <a:t>version</a:t>
             </a:r>
             <a:r>
-              <a:rPr lang="en-US" sz="1100">
+              <a:rPr lang="en-US" sz="1100" dirty="0">
                 <a:solidFill>
                   <a:srgbClr val="008080"/>
                 </a:solidFill>
@@ -18814,7 +18819,7 @@
           <a:p>
             <a:pPr lvl="1"/>
             <a:r>
-              <a:rPr lang="en-US" sz="1100">
+              <a:rPr lang="en-US" sz="1100" dirty="0">
                 <a:solidFill>
                   <a:srgbClr val="008080"/>
                 </a:solidFill>
@@ -18823,7 +18828,7 @@
               <a:t>&lt;/</a:t>
             </a:r>
             <a:r>
-              <a:rPr lang="en-US" sz="1100">
+              <a:rPr lang="en-US" sz="1100" dirty="0">
                 <a:solidFill>
                   <a:srgbClr val="3F7F7F"/>
                 </a:solidFill>
@@ -18832,7 +18837,7 @@
               <a:t>dependency</a:t>
             </a:r>
             <a:r>
-              <a:rPr lang="en-US" sz="1100">
+              <a:rPr lang="en-US" sz="1100" dirty="0">
                 <a:solidFill>
                   <a:srgbClr val="008080"/>
                 </a:solidFill>
@@ -18844,7 +18849,7 @@
           <a:p>
             <a:pPr lvl="1"/>
             <a:r>
-              <a:rPr lang="en-US" sz="1100">
+              <a:rPr lang="en-US" sz="1100" dirty="0">
                 <a:solidFill>
                   <a:srgbClr val="008080"/>
                 </a:solidFill>
@@ -18853,7 +18858,7 @@
               <a:t>&lt;</a:t>
             </a:r>
             <a:r>
-              <a:rPr lang="en-US" sz="1100">
+              <a:rPr lang="en-US" sz="1100" dirty="0">
                 <a:solidFill>
                   <a:srgbClr val="3F7F7F"/>
                 </a:solidFill>
@@ -18862,7 +18867,7 @@
               <a:t>dependency</a:t>
             </a:r>
             <a:r>
-              <a:rPr lang="en-US" sz="1100">
+              <a:rPr lang="en-US" sz="1100" dirty="0">
                 <a:solidFill>
                   <a:srgbClr val="008080"/>
                 </a:solidFill>
@@ -18874,7 +18879,7 @@
           <a:p>
             <a:pPr lvl="2"/>
             <a:r>
-              <a:rPr lang="en-US" sz="1100">
+              <a:rPr lang="en-US" sz="1100" dirty="0">
                 <a:solidFill>
                   <a:srgbClr val="008080"/>
                 </a:solidFill>
@@ -18883,7 +18888,7 @@
               <a:t>&lt;</a:t>
             </a:r>
             <a:r>
-              <a:rPr lang="en-US" sz="1100">
+              <a:rPr lang="en-US" sz="1100" dirty="0" err="1">
                 <a:solidFill>
                   <a:srgbClr val="3F7F7F"/>
                 </a:solidFill>
@@ -18892,7 +18897,7 @@
               <a:t>groupId</a:t>
             </a:r>
             <a:r>
-              <a:rPr lang="en-US" sz="1100">
+              <a:rPr lang="en-US" sz="1100" dirty="0">
                 <a:solidFill>
                   <a:srgbClr val="008080"/>
                 </a:solidFill>
@@ -18901,7 +18906,7 @@
               <a:t>&gt;</a:t>
             </a:r>
             <a:r>
-              <a:rPr lang="en-US" sz="1100">
+              <a:rPr lang="en-US" sz="1100" dirty="0" err="1">
                 <a:solidFill>
                   <a:srgbClr val="000000"/>
                 </a:solidFill>
@@ -18910,7 +18915,7 @@
               <a:t>com.microsoft.sqlserver</a:t>
             </a:r>
             <a:r>
-              <a:rPr lang="en-US" sz="1100">
+              <a:rPr lang="en-US" sz="1100" dirty="0">
                 <a:solidFill>
                   <a:srgbClr val="008080"/>
                 </a:solidFill>
@@ -18919,7 +18924,7 @@
               <a:t>&lt;/</a:t>
             </a:r>
             <a:r>
-              <a:rPr lang="en-US" sz="1100">
+              <a:rPr lang="en-US" sz="1100" dirty="0" err="1">
                 <a:solidFill>
                   <a:srgbClr val="3F7F7F"/>
                 </a:solidFill>
@@ -18928,7 +18933,7 @@
               <a:t>groupId</a:t>
             </a:r>
             <a:r>
-              <a:rPr lang="en-US" sz="1100">
+              <a:rPr lang="en-US" sz="1100" dirty="0">
                 <a:solidFill>
                   <a:srgbClr val="008080"/>
                 </a:solidFill>
@@ -18940,7 +18945,7 @@
           <a:p>
             <a:pPr lvl="2"/>
             <a:r>
-              <a:rPr lang="en-US" sz="1100">
+              <a:rPr lang="en-US" sz="1100" dirty="0">
                 <a:solidFill>
                   <a:srgbClr val="008080"/>
                 </a:solidFill>
@@ -18949,7 +18954,7 @@
               <a:t>&lt;</a:t>
             </a:r>
             <a:r>
-              <a:rPr lang="en-US" sz="1100">
+              <a:rPr lang="en-US" sz="1100" dirty="0" err="1">
                 <a:solidFill>
                   <a:srgbClr val="3F7F7F"/>
                 </a:solidFill>
@@ -18958,7 +18963,7 @@
               <a:t>artifactId</a:t>
             </a:r>
             <a:r>
-              <a:rPr lang="en-US" sz="1100">
+              <a:rPr lang="en-US" sz="1100" dirty="0">
                 <a:solidFill>
                   <a:srgbClr val="008080"/>
                 </a:solidFill>
@@ -18967,7 +18972,7 @@
               <a:t>&gt;</a:t>
             </a:r>
             <a:r>
-              <a:rPr lang="en-US" sz="1100">
+              <a:rPr lang="en-US" sz="1100" dirty="0" err="1">
                 <a:solidFill>
                   <a:srgbClr val="000000"/>
                 </a:solidFill>
@@ -18976,7 +18981,7 @@
               <a:t>mssql-jdbc</a:t>
             </a:r>
             <a:r>
-              <a:rPr lang="en-US" sz="1100">
+              <a:rPr lang="en-US" sz="1100" dirty="0">
                 <a:solidFill>
                   <a:srgbClr val="008080"/>
                 </a:solidFill>
@@ -18985,7 +18990,7 @@
               <a:t>&lt;/</a:t>
             </a:r>
             <a:r>
-              <a:rPr lang="en-US" sz="1100">
+              <a:rPr lang="en-US" sz="1100" dirty="0" err="1">
                 <a:solidFill>
                   <a:srgbClr val="3F7F7F"/>
                 </a:solidFill>
@@ -18994,7 +18999,7 @@
               <a:t>artifactId</a:t>
             </a:r>
             <a:r>
-              <a:rPr lang="en-US" sz="1100">
+              <a:rPr lang="en-US" sz="1100" dirty="0">
                 <a:solidFill>
                   <a:srgbClr val="008080"/>
                 </a:solidFill>
@@ -19006,7 +19011,7 @@
           <a:p>
             <a:pPr lvl="2"/>
             <a:r>
-              <a:rPr lang="en-US" sz="1100">
+              <a:rPr lang="en-US" sz="1100" dirty="0">
                 <a:solidFill>
                   <a:srgbClr val="008080"/>
                 </a:solidFill>
@@ -19015,7 +19020,7 @@
               <a:t>&lt;</a:t>
             </a:r>
             <a:r>
-              <a:rPr lang="en-US" sz="1100">
+              <a:rPr lang="en-US" sz="1100" dirty="0">
                 <a:solidFill>
                   <a:srgbClr val="3F7F7F"/>
                 </a:solidFill>
@@ -19024,7 +19029,7 @@
               <a:t>version</a:t>
             </a:r>
             <a:r>
-              <a:rPr lang="en-US" sz="1100">
+              <a:rPr lang="en-US" sz="1100" dirty="0">
                 <a:solidFill>
                   <a:srgbClr val="008080"/>
                 </a:solidFill>
@@ -19033,7 +19038,7 @@
               <a:t>&gt;</a:t>
             </a:r>
             <a:r>
-              <a:rPr lang="en-US" sz="1100">
+              <a:rPr lang="en-US" sz="1100" dirty="0">
                 <a:solidFill>
                   <a:srgbClr val="000000"/>
                 </a:solidFill>
@@ -19042,7 +19047,7 @@
               <a:t>7.4.1.jre8</a:t>
             </a:r>
             <a:r>
-              <a:rPr lang="en-US" sz="1100">
+              <a:rPr lang="en-US" sz="1100" dirty="0">
                 <a:solidFill>
                   <a:srgbClr val="008080"/>
                 </a:solidFill>
@@ -19051,7 +19056,7 @@
               <a:t>&lt;/</a:t>
             </a:r>
             <a:r>
-              <a:rPr lang="en-US" sz="1100">
+              <a:rPr lang="en-US" sz="1100" dirty="0">
                 <a:solidFill>
                   <a:srgbClr val="3F7F7F"/>
                 </a:solidFill>
@@ -19060,7 +19065,7 @@
               <a:t>version</a:t>
             </a:r>
             <a:r>
-              <a:rPr lang="en-US" sz="1100">
+              <a:rPr lang="en-US" sz="1100" dirty="0">
                 <a:solidFill>
                   <a:srgbClr val="008080"/>
                 </a:solidFill>
@@ -19072,7 +19077,7 @@
           <a:p>
             <a:pPr lvl="1"/>
             <a:r>
-              <a:rPr lang="en-US" sz="1100">
+              <a:rPr lang="en-US" sz="1100" dirty="0">
                 <a:solidFill>
                   <a:srgbClr val="008080"/>
                 </a:solidFill>
@@ -19081,7 +19086,7 @@
               <a:t>&lt;/</a:t>
             </a:r>
             <a:r>
-              <a:rPr lang="en-US" sz="1100">
+              <a:rPr lang="en-US" sz="1100" dirty="0">
                 <a:solidFill>
                   <a:srgbClr val="3F7F7F"/>
                 </a:solidFill>
@@ -19090,7 +19095,7 @@
               <a:t>dependency</a:t>
             </a:r>
             <a:r>
-              <a:rPr lang="en-US" sz="1100">
+              <a:rPr lang="en-US" sz="1100" dirty="0">
                 <a:solidFill>
                   <a:srgbClr val="008080"/>
                 </a:solidFill>
@@ -19101,7 +19106,7 @@
           </a:p>
           <a:p>
             <a:r>
-              <a:rPr lang="en-US" sz="1100">
+              <a:rPr lang="en-US" sz="1100" dirty="0">
                 <a:solidFill>
                   <a:srgbClr val="008080"/>
                 </a:solidFill>
@@ -19110,7 +19115,7 @@
               <a:t>&lt;/</a:t>
             </a:r>
             <a:r>
-              <a:rPr lang="en-US" sz="1100">
+              <a:rPr lang="en-US" sz="1100" dirty="0">
                 <a:solidFill>
                   <a:srgbClr val="3F7F7F"/>
                 </a:solidFill>
@@ -19119,7 +19124,7 @@
               <a:t>dependencies</a:t>
             </a:r>
             <a:r>
-              <a:rPr lang="en-US" sz="1100">
+              <a:rPr lang="en-US" sz="1100" dirty="0">
                 <a:solidFill>
                   <a:srgbClr val="008080"/>
                 </a:solidFill>
@@ -19157,7 +19162,7 @@
           <a:lstStyle/>
           <a:p>
             <a:r>
-              <a:rPr lang="en-US" sz="1100">
+              <a:rPr lang="en-US" sz="1100" dirty="0">
                 <a:solidFill>
                   <a:srgbClr val="008080"/>
                 </a:solidFill>
@@ -19166,7 +19171,7 @@
               <a:t>&lt;</a:t>
             </a:r>
             <a:r>
-              <a:rPr lang="en-US" sz="1100">
+              <a:rPr lang="en-US" sz="1100" dirty="0">
                 <a:solidFill>
                   <a:srgbClr val="3F7F7F"/>
                 </a:solidFill>
@@ -19175,7 +19180,7 @@
               <a:t>build</a:t>
             </a:r>
             <a:r>
-              <a:rPr lang="en-US" sz="1100">
+              <a:rPr lang="en-US" sz="1100" dirty="0">
                 <a:solidFill>
                   <a:srgbClr val="008080"/>
                 </a:solidFill>
@@ -19187,7 +19192,7 @@
           <a:p>
             <a:pPr lvl="1"/>
             <a:r>
-              <a:rPr lang="en-US" sz="1100">
+              <a:rPr lang="en-US" sz="1100" dirty="0">
                 <a:solidFill>
                   <a:srgbClr val="008080"/>
                 </a:solidFill>
@@ -19196,7 +19201,7 @@
               <a:t>&lt;</a:t>
             </a:r>
             <a:r>
-              <a:rPr lang="en-US" sz="1100">
+              <a:rPr lang="en-US" sz="1100" dirty="0" err="1">
                 <a:solidFill>
                   <a:srgbClr val="3F7F7F"/>
                 </a:solidFill>
@@ -19205,7 +19210,7 @@
               <a:t>finalName</a:t>
             </a:r>
             <a:r>
-              <a:rPr lang="en-US" sz="1100">
+              <a:rPr lang="en-US" sz="1100" dirty="0">
                 <a:solidFill>
                   <a:srgbClr val="008080"/>
                 </a:solidFill>
@@ -19214,7 +19219,7 @@
               <a:t>&gt;</a:t>
             </a:r>
             <a:r>
-              <a:rPr lang="en-US" sz="1100">
+              <a:rPr lang="en-US" sz="1100" dirty="0" err="1">
                 <a:solidFill>
                   <a:srgbClr val="000000"/>
                 </a:solidFill>
@@ -19223,7 +19228,7 @@
               <a:t>hrms</a:t>
             </a:r>
             <a:r>
-              <a:rPr lang="en-US" sz="1100">
+              <a:rPr lang="en-US" sz="1100" dirty="0">
                 <a:solidFill>
                   <a:srgbClr val="008080"/>
                 </a:solidFill>
@@ -19232,7 +19237,7 @@
               <a:t>&lt;/</a:t>
             </a:r>
             <a:r>
-              <a:rPr lang="en-US" sz="1100">
+              <a:rPr lang="en-US" sz="1100" dirty="0" err="1">
                 <a:solidFill>
                   <a:srgbClr val="3F7F7F"/>
                 </a:solidFill>
@@ -19241,7 +19246,7 @@
               <a:t>finalName</a:t>
             </a:r>
             <a:r>
-              <a:rPr lang="en-US" sz="1100">
+              <a:rPr lang="en-US" sz="1100" dirty="0">
                 <a:solidFill>
                   <a:srgbClr val="008080"/>
                 </a:solidFill>
@@ -19253,7 +19258,7 @@
           <a:p>
             <a:pPr lvl="1"/>
             <a:r>
-              <a:rPr lang="en-US" sz="1100">
+              <a:rPr lang="en-US" sz="1100" dirty="0">
                 <a:solidFill>
                   <a:srgbClr val="008080"/>
                 </a:solidFill>
@@ -19262,7 +19267,7 @@
               <a:t>&lt;</a:t>
             </a:r>
             <a:r>
-              <a:rPr lang="en-US" sz="1100">
+              <a:rPr lang="en-US" sz="1100" dirty="0">
                 <a:solidFill>
                   <a:srgbClr val="3F7F7F"/>
                 </a:solidFill>
@@ -19271,7 +19276,7 @@
               <a:t>plugins</a:t>
             </a:r>
             <a:r>
-              <a:rPr lang="en-US" sz="1100">
+              <a:rPr lang="en-US" sz="1100" dirty="0">
                 <a:solidFill>
                   <a:srgbClr val="008080"/>
                 </a:solidFill>
@@ -19279,14 +19284,14 @@
               </a:rPr>
               <a:t>&gt;</a:t>
             </a:r>
-            <a:endParaRPr lang="en-US" sz="1100">
+            <a:endParaRPr lang="en-US" sz="1100" dirty="0">
               <a:latin typeface="Consolas" panose="020B0609020204030204" pitchFamily="49" charset="0"/>
             </a:endParaRPr>
           </a:p>
           <a:p>
             <a:pPr lvl="1"/>
             <a:r>
-              <a:rPr lang="en-US" sz="1100">
+              <a:rPr lang="en-US" sz="1100" dirty="0">
                 <a:solidFill>
                   <a:srgbClr val="008080"/>
                 </a:solidFill>
@@ -19295,7 +19300,7 @@
               <a:t>&lt;</a:t>
             </a:r>
             <a:r>
-              <a:rPr lang="en-US" sz="1100">
+              <a:rPr lang="en-US" sz="1100" dirty="0">
                 <a:solidFill>
                   <a:srgbClr val="3F7F7F"/>
                 </a:solidFill>
@@ -19304,7 +19309,7 @@
               <a:t>plugin</a:t>
             </a:r>
             <a:r>
-              <a:rPr lang="en-US" sz="1100">
+              <a:rPr lang="en-US" sz="1100" dirty="0">
                 <a:solidFill>
                   <a:srgbClr val="008080"/>
                 </a:solidFill>
@@ -19316,7 +19321,7 @@
           <a:p>
             <a:pPr lvl="2"/>
             <a:r>
-              <a:rPr lang="en-US" sz="1100">
+              <a:rPr lang="en-US" sz="1100" dirty="0">
                 <a:solidFill>
                   <a:srgbClr val="008080"/>
                 </a:solidFill>
@@ -19325,7 +19330,7 @@
               <a:t>&lt;</a:t>
             </a:r>
             <a:r>
-              <a:rPr lang="en-US" sz="1100">
+              <a:rPr lang="en-US" sz="1100" dirty="0" err="1">
                 <a:solidFill>
                   <a:srgbClr val="3F7F7F"/>
                 </a:solidFill>
@@ -19334,7 +19339,7 @@
               <a:t>groupId</a:t>
             </a:r>
             <a:r>
-              <a:rPr lang="en-US" sz="1100">
+              <a:rPr lang="en-US" sz="1100" dirty="0">
                 <a:solidFill>
                   <a:srgbClr val="008080"/>
                 </a:solidFill>
@@ -19343,7 +19348,7 @@
               <a:t>&gt;</a:t>
             </a:r>
             <a:r>
-              <a:rPr lang="en-US" sz="1100">
+              <a:rPr lang="en-US" sz="1100" dirty="0" err="1">
                 <a:solidFill>
                   <a:srgbClr val="000000"/>
                 </a:solidFill>
@@ -19352,7 +19357,7 @@
               <a:t>org.apache.maven.plugins</a:t>
             </a:r>
             <a:r>
-              <a:rPr lang="en-US" sz="1100">
+              <a:rPr lang="en-US" sz="1100" dirty="0">
                 <a:solidFill>
                   <a:srgbClr val="008080"/>
                 </a:solidFill>
@@ -19361,7 +19366,7 @@
               <a:t>&lt;/</a:t>
             </a:r>
             <a:r>
-              <a:rPr lang="en-US" sz="1100">
+              <a:rPr lang="en-US" sz="1100" dirty="0" err="1">
                 <a:solidFill>
                   <a:srgbClr val="3F7F7F"/>
                 </a:solidFill>
@@ -19370,7 +19375,7 @@
               <a:t>groupId</a:t>
             </a:r>
             <a:r>
-              <a:rPr lang="en-US" sz="1100">
+              <a:rPr lang="en-US" sz="1100" dirty="0">
                 <a:solidFill>
                   <a:srgbClr val="008080"/>
                 </a:solidFill>
@@ -19382,7 +19387,7 @@
           <a:p>
             <a:pPr lvl="2"/>
             <a:r>
-              <a:rPr lang="en-US" sz="1100">
+              <a:rPr lang="en-US" sz="1100" dirty="0">
                 <a:solidFill>
                   <a:srgbClr val="008080"/>
                 </a:solidFill>
@@ -19391,7 +19396,7 @@
               <a:t>&lt;</a:t>
             </a:r>
             <a:r>
-              <a:rPr lang="en-US" sz="1100">
+              <a:rPr lang="en-US" sz="1100" dirty="0" err="1">
                 <a:solidFill>
                   <a:srgbClr val="3F7F7F"/>
                 </a:solidFill>
@@ -19400,7 +19405,7 @@
               <a:t>artifactId</a:t>
             </a:r>
             <a:r>
-              <a:rPr lang="en-US" sz="1100">
+              <a:rPr lang="en-US" sz="1100" dirty="0">
                 <a:solidFill>
                   <a:srgbClr val="008080"/>
                 </a:solidFill>
@@ -19409,7 +19414,7 @@
               <a:t>&gt;</a:t>
             </a:r>
             <a:r>
-              <a:rPr lang="en-US" sz="1100">
+              <a:rPr lang="en-US" sz="1100" dirty="0">
                 <a:solidFill>
                   <a:srgbClr val="000000"/>
                 </a:solidFill>
@@ -19418,7 +19423,7 @@
               <a:t>maven-compiler-plugin</a:t>
             </a:r>
             <a:r>
-              <a:rPr lang="en-US" sz="1100">
+              <a:rPr lang="en-US" sz="1100" dirty="0">
                 <a:solidFill>
                   <a:srgbClr val="008080"/>
                 </a:solidFill>
@@ -19427,7 +19432,7 @@
               <a:t>&lt;/</a:t>
             </a:r>
             <a:r>
-              <a:rPr lang="en-US" sz="1100">
+              <a:rPr lang="en-US" sz="1100" dirty="0" err="1">
                 <a:solidFill>
                   <a:srgbClr val="3F7F7F"/>
                 </a:solidFill>
@@ -19436,7 +19441,7 @@
               <a:t>artifactId</a:t>
             </a:r>
             <a:r>
-              <a:rPr lang="en-US" sz="1100">
+              <a:rPr lang="en-US" sz="1100" dirty="0">
                 <a:solidFill>
                   <a:srgbClr val="008080"/>
                 </a:solidFill>
@@ -19448,7 +19453,7 @@
           <a:p>
             <a:pPr lvl="2"/>
             <a:r>
-              <a:rPr lang="en-US" sz="1100">
+              <a:rPr lang="en-US" sz="1100" dirty="0">
                 <a:solidFill>
                   <a:srgbClr val="008080"/>
                 </a:solidFill>
@@ -19457,7 +19462,7 @@
               <a:t>&lt;</a:t>
             </a:r>
             <a:r>
-              <a:rPr lang="en-US" sz="1100">
+              <a:rPr lang="en-US" sz="1100" dirty="0">
                 <a:solidFill>
                   <a:srgbClr val="3F7F7F"/>
                 </a:solidFill>
@@ -19466,7 +19471,7 @@
               <a:t>version</a:t>
             </a:r>
             <a:r>
-              <a:rPr lang="en-US" sz="1100">
+              <a:rPr lang="en-US" sz="1100" dirty="0">
                 <a:solidFill>
                   <a:srgbClr val="008080"/>
                 </a:solidFill>
@@ -19475,7 +19480,7 @@
               <a:t>&gt;</a:t>
             </a:r>
             <a:r>
-              <a:rPr lang="en-US" sz="1100">
+              <a:rPr lang="en-US" sz="1100" dirty="0">
                 <a:solidFill>
                   <a:srgbClr val="000000"/>
                 </a:solidFill>
@@ -19484,7 +19489,7 @@
               <a:t>3.1</a:t>
             </a:r>
             <a:r>
-              <a:rPr lang="en-US" sz="1100">
+              <a:rPr lang="en-US" sz="1100" dirty="0">
                 <a:solidFill>
                   <a:srgbClr val="008080"/>
                 </a:solidFill>
@@ -19493,7 +19498,7 @@
               <a:t>&lt;/</a:t>
             </a:r>
             <a:r>
-              <a:rPr lang="en-US" sz="1100">
+              <a:rPr lang="en-US" sz="1100" dirty="0">
                 <a:solidFill>
                   <a:srgbClr val="3F7F7F"/>
                 </a:solidFill>
@@ -19502,7 +19507,7 @@
               <a:t>version</a:t>
             </a:r>
             <a:r>
-              <a:rPr lang="en-US" sz="1100">
+              <a:rPr lang="en-US" sz="1100" dirty="0">
                 <a:solidFill>
                   <a:srgbClr val="008080"/>
                 </a:solidFill>
@@ -19514,7 +19519,7 @@
           <a:p>
             <a:pPr lvl="2"/>
             <a:r>
-              <a:rPr lang="en-US" sz="1100">
+              <a:rPr lang="en-US" sz="1100" dirty="0">
                 <a:solidFill>
                   <a:srgbClr val="008080"/>
                 </a:solidFill>
@@ -19523,7 +19528,7 @@
               <a:t>&lt;</a:t>
             </a:r>
             <a:r>
-              <a:rPr lang="en-US" sz="1100">
+              <a:rPr lang="en-US" sz="1100" dirty="0">
                 <a:solidFill>
                   <a:srgbClr val="3F7F7F"/>
                 </a:solidFill>
@@ -19532,7 +19537,7 @@
               <a:t>configuration</a:t>
             </a:r>
             <a:r>
-              <a:rPr lang="en-US" sz="1100">
+              <a:rPr lang="en-US" sz="1100" dirty="0">
                 <a:solidFill>
                   <a:srgbClr val="008080"/>
                 </a:solidFill>
@@ -19544,7 +19549,7 @@
           <a:p>
             <a:pPr lvl="3"/>
             <a:r>
-              <a:rPr lang="en-US" sz="1100">
+              <a:rPr lang="en-US" sz="1100" dirty="0">
                 <a:solidFill>
                   <a:srgbClr val="008080"/>
                 </a:solidFill>
@@ -19553,7 +19558,7 @@
               <a:t>&lt;</a:t>
             </a:r>
             <a:r>
-              <a:rPr lang="en-US" sz="1100">
+              <a:rPr lang="en-US" sz="1100" dirty="0">
                 <a:solidFill>
                   <a:srgbClr val="3F7F7F"/>
                 </a:solidFill>
@@ -19562,7 +19567,7 @@
               <a:t>source</a:t>
             </a:r>
             <a:r>
-              <a:rPr lang="en-US" sz="1100">
+              <a:rPr lang="en-US" sz="1100" dirty="0">
                 <a:solidFill>
                   <a:srgbClr val="008080"/>
                 </a:solidFill>
@@ -19571,7 +19576,7 @@
               <a:t>&gt;</a:t>
             </a:r>
             <a:r>
-              <a:rPr lang="en-US" sz="1100">
+              <a:rPr lang="en-US" sz="1100" dirty="0">
                 <a:solidFill>
                   <a:srgbClr val="000000"/>
                 </a:solidFill>
@@ -19580,7 +19585,7 @@
               <a:t>1.8</a:t>
             </a:r>
             <a:r>
-              <a:rPr lang="en-US" sz="1100">
+              <a:rPr lang="en-US" sz="1100" dirty="0">
                 <a:solidFill>
                   <a:srgbClr val="008080"/>
                 </a:solidFill>
@@ -19589,7 +19594,7 @@
               <a:t>&lt;/</a:t>
             </a:r>
             <a:r>
-              <a:rPr lang="en-US" sz="1100">
+              <a:rPr lang="en-US" sz="1100" dirty="0">
                 <a:solidFill>
                   <a:srgbClr val="3F7F7F"/>
                 </a:solidFill>
@@ -19598,7 +19603,7 @@
               <a:t>source</a:t>
             </a:r>
             <a:r>
-              <a:rPr lang="en-US" sz="1100">
+              <a:rPr lang="en-US" sz="1100" dirty="0">
                 <a:solidFill>
                   <a:srgbClr val="008080"/>
                 </a:solidFill>
@@ -19610,7 +19615,7 @@
           <a:p>
             <a:pPr lvl="3"/>
             <a:r>
-              <a:rPr lang="en-US" sz="1100">
+              <a:rPr lang="en-US" sz="1100" dirty="0">
                 <a:solidFill>
                   <a:srgbClr val="008080"/>
                 </a:solidFill>
@@ -19619,7 +19624,7 @@
               <a:t>&lt;</a:t>
             </a:r>
             <a:r>
-              <a:rPr lang="en-US" sz="1100">
+              <a:rPr lang="en-US" sz="1100" dirty="0">
                 <a:solidFill>
                   <a:srgbClr val="3F7F7F"/>
                 </a:solidFill>
@@ -19628,7 +19633,7 @@
               <a:t>target</a:t>
             </a:r>
             <a:r>
-              <a:rPr lang="en-US" sz="1100">
+              <a:rPr lang="en-US" sz="1100" dirty="0">
                 <a:solidFill>
                   <a:srgbClr val="008080"/>
                 </a:solidFill>
@@ -19637,7 +19642,7 @@
               <a:t>&gt;</a:t>
             </a:r>
             <a:r>
-              <a:rPr lang="en-US" sz="1100">
+              <a:rPr lang="en-US" sz="1100" dirty="0">
                 <a:solidFill>
                   <a:srgbClr val="000000"/>
                 </a:solidFill>
@@ -19646,7 +19651,7 @@
               <a:t>1.8</a:t>
             </a:r>
             <a:r>
-              <a:rPr lang="en-US" sz="1100">
+              <a:rPr lang="en-US" sz="1100" dirty="0">
                 <a:solidFill>
                   <a:srgbClr val="008080"/>
                 </a:solidFill>
@@ -19655,7 +19660,7 @@
               <a:t>&lt;/</a:t>
             </a:r>
             <a:r>
-              <a:rPr lang="en-US" sz="1100">
+              <a:rPr lang="en-US" sz="1100" dirty="0">
                 <a:solidFill>
                   <a:srgbClr val="3F7F7F"/>
                 </a:solidFill>
@@ -19664,7 +19669,7 @@
               <a:t>target</a:t>
             </a:r>
             <a:r>
-              <a:rPr lang="en-US" sz="1100">
+              <a:rPr lang="en-US" sz="1100" dirty="0">
                 <a:solidFill>
                   <a:srgbClr val="008080"/>
                 </a:solidFill>
@@ -19676,7 +19681,7 @@
           <a:p>
             <a:pPr lvl="2"/>
             <a:r>
-              <a:rPr lang="en-US" sz="1100">
+              <a:rPr lang="en-US" sz="1100" dirty="0">
                 <a:solidFill>
                   <a:srgbClr val="008080"/>
                 </a:solidFill>
@@ -19685,7 +19690,7 @@
               <a:t>&lt;/</a:t>
             </a:r>
             <a:r>
-              <a:rPr lang="en-US" sz="1100">
+              <a:rPr lang="en-US" sz="1100" dirty="0">
                 <a:solidFill>
                   <a:srgbClr val="3F7F7F"/>
                 </a:solidFill>
@@ -19694,7 +19699,7 @@
               <a:t>configuration</a:t>
             </a:r>
             <a:r>
-              <a:rPr lang="en-US" sz="1100">
+              <a:rPr lang="en-US" sz="1100" dirty="0">
                 <a:solidFill>
                   <a:srgbClr val="008080"/>
                 </a:solidFill>
@@ -19706,7 +19711,7 @@
           <a:p>
             <a:pPr lvl="1"/>
             <a:r>
-              <a:rPr lang="en-US" sz="1100">
+              <a:rPr lang="en-US" sz="1100" dirty="0">
                 <a:solidFill>
                   <a:srgbClr val="008080"/>
                 </a:solidFill>
@@ -19715,7 +19720,7 @@
               <a:t>&lt;/</a:t>
             </a:r>
             <a:r>
-              <a:rPr lang="en-US" sz="1100">
+              <a:rPr lang="en-US" sz="1100" dirty="0">
                 <a:solidFill>
                   <a:srgbClr val="3F7F7F"/>
                 </a:solidFill>
@@ -19724,7 +19729,7 @@
               <a:t>plugin</a:t>
             </a:r>
             <a:r>
-              <a:rPr lang="en-US" sz="1100">
+              <a:rPr lang="en-US" sz="1100" dirty="0">
                 <a:solidFill>
                   <a:srgbClr val="008080"/>
                 </a:solidFill>
@@ -19736,7 +19741,7 @@
           <a:p>
             <a:pPr lvl="1"/>
             <a:r>
-              <a:rPr lang="en-US" sz="1100">
+              <a:rPr lang="en-US" sz="1100" dirty="0">
                 <a:solidFill>
                   <a:srgbClr val="008080"/>
                 </a:solidFill>
@@ -19745,7 +19750,7 @@
               <a:t>&lt;/</a:t>
             </a:r>
             <a:r>
-              <a:rPr lang="en-US" sz="1100">
+              <a:rPr lang="en-US" sz="1100" dirty="0">
                 <a:solidFill>
                   <a:srgbClr val="3F7F7F"/>
                 </a:solidFill>
@@ -19754,7 +19759,7 @@
               <a:t>plugins</a:t>
             </a:r>
             <a:r>
-              <a:rPr lang="en-US" sz="1100">
+              <a:rPr lang="en-US" sz="1100" dirty="0">
                 <a:solidFill>
                   <a:srgbClr val="008080"/>
                 </a:solidFill>
@@ -19765,7 +19770,7 @@
           </a:p>
           <a:p>
             <a:r>
-              <a:rPr lang="en-US" sz="1100">
+              <a:rPr lang="en-US" sz="1100" dirty="0">
                 <a:solidFill>
                   <a:srgbClr val="008080"/>
                 </a:solidFill>
@@ -19774,7 +19779,7 @@
               <a:t>&lt;/</a:t>
             </a:r>
             <a:r>
-              <a:rPr lang="en-US" sz="1100">
+              <a:rPr lang="en-US" sz="1100" dirty="0">
                 <a:solidFill>
                   <a:srgbClr val="3F7F7F"/>
                 </a:solidFill>
@@ -19783,7 +19788,7 @@
               <a:t>build</a:t>
             </a:r>
             <a:r>
-              <a:rPr lang="en-US" sz="1100">
+              <a:rPr lang="en-US" sz="1100" dirty="0">
                 <a:solidFill>
                   <a:srgbClr val="008080"/>
                 </a:solidFill>
@@ -19791,7 +19796,7 @@
               </a:rPr>
               <a:t>&gt;</a:t>
             </a:r>
-            <a:endParaRPr lang="en-US" sz="1100"/>
+            <a:endParaRPr lang="en-US" sz="1100" dirty="0"/>
           </a:p>
         </p:txBody>
       </p:sp>
@@ -19920,7 +19925,7 @@
           <a:lstStyle/>
           <a:p>
             <a:r>
-              <a:rPr lang="en-US" sz="900">
+              <a:rPr lang="en-US" sz="900" dirty="0">
                 <a:solidFill>
                   <a:srgbClr val="646464"/>
                 </a:solidFill>
@@ -19931,7 +19936,7 @@
           </a:p>
           <a:p>
             <a:r>
-              <a:rPr lang="en-US" sz="900">
+              <a:rPr lang="en-US" sz="900" dirty="0">
                 <a:solidFill>
                   <a:srgbClr val="646464"/>
                 </a:solidFill>
@@ -19940,7 +19945,7 @@
               <a:t>@Table</a:t>
             </a:r>
             <a:r>
-              <a:rPr lang="en-US" sz="900">
+              <a:rPr lang="en-US" sz="900" dirty="0">
                 <a:solidFill>
                   <a:srgbClr val="000000"/>
                 </a:solidFill>
@@ -19949,16 +19954,34 @@
               <a:t>(schema = </a:t>
             </a:r>
             <a:r>
-              <a:rPr lang="en-US" sz="900">
+              <a:rPr lang="en-US" sz="900" dirty="0">
                 <a:solidFill>
                   <a:srgbClr val="2A00FF"/>
                 </a:solidFill>
                 <a:latin typeface="Consolas" panose="020B0609020204030204" pitchFamily="49" charset="0"/>
               </a:rPr>
-              <a:t>"dbo"</a:t>
-            </a:r>
-            <a:r>
-              <a:rPr lang="en-US" sz="900">
+              <a:t>"</a:t>
+            </a:r>
+            <a:r>
+              <a:rPr lang="en-US" sz="900" dirty="0" err="1">
+                <a:solidFill>
+                  <a:srgbClr val="2A00FF"/>
+                </a:solidFill>
+                <a:latin typeface="Consolas" panose="020B0609020204030204" pitchFamily="49" charset="0"/>
+              </a:rPr>
+              <a:t>dbo</a:t>
+            </a:r>
+            <a:r>
+              <a:rPr lang="en-US" sz="900" dirty="0">
+                <a:solidFill>
+                  <a:srgbClr val="2A00FF"/>
+                </a:solidFill>
+                <a:latin typeface="Consolas" panose="020B0609020204030204" pitchFamily="49" charset="0"/>
+              </a:rPr>
+              <a:t>"</a:t>
+            </a:r>
+            <a:r>
+              <a:rPr lang="en-US" sz="900" dirty="0">
                 <a:solidFill>
                   <a:srgbClr val="000000"/>
                 </a:solidFill>
@@ -19967,7 +19990,7 @@
               <a:t>, name = </a:t>
             </a:r>
             <a:r>
-              <a:rPr lang="en-US" sz="900">
+              <a:rPr lang="en-US" sz="900" dirty="0">
                 <a:solidFill>
                   <a:srgbClr val="2A00FF"/>
                 </a:solidFill>
@@ -19976,7 +19999,7 @@
               <a:t>"Jobs"</a:t>
             </a:r>
             <a:r>
-              <a:rPr lang="en-US" sz="900">
+              <a:rPr lang="en-US" sz="900" dirty="0">
                 <a:solidFill>
                   <a:srgbClr val="000000"/>
                 </a:solidFill>
@@ -19987,7 +20010,7 @@
           </a:p>
           <a:p>
             <a:r>
-              <a:rPr lang="en-US" sz="900" b="1">
+              <a:rPr lang="en-US" sz="900" b="1" dirty="0">
                 <a:solidFill>
                   <a:srgbClr val="7F0055"/>
                 </a:solidFill>
@@ -19996,7 +20019,7 @@
               <a:t>public</a:t>
             </a:r>
             <a:r>
-              <a:rPr lang="en-US" sz="900" b="1">
+              <a:rPr lang="en-US" sz="900" b="1" dirty="0">
                 <a:solidFill>
                   <a:srgbClr val="000000"/>
                 </a:solidFill>
@@ -20005,7 +20028,7 @@
               <a:t> </a:t>
             </a:r>
             <a:r>
-              <a:rPr lang="en-US" sz="900" b="1">
+              <a:rPr lang="en-US" sz="900" b="1" dirty="0">
                 <a:solidFill>
                   <a:srgbClr val="7F0055"/>
                 </a:solidFill>
@@ -20014,7 +20037,7 @@
               <a:t>class</a:t>
             </a:r>
             <a:r>
-              <a:rPr lang="en-US" sz="900" b="1">
+              <a:rPr lang="en-US" sz="900" b="1" dirty="0">
                 <a:solidFill>
                   <a:srgbClr val="000000"/>
                 </a:solidFill>
@@ -20025,7 +20048,7 @@
           </a:p>
           <a:p>
             <a:r>
-              <a:rPr lang="en-US" sz="900">
+              <a:rPr lang="en-US" sz="900" dirty="0">
                 <a:solidFill>
                   <a:srgbClr val="000000"/>
                 </a:solidFill>
@@ -20036,7 +20059,7 @@
           </a:p>
           <a:p>
             <a:r>
-              <a:rPr lang="en-US" sz="900">
+              <a:rPr lang="en-US" sz="900" dirty="0">
                 <a:solidFill>
                   <a:srgbClr val="000000"/>
                 </a:solidFill>
@@ -20045,7 +20068,7 @@
               <a:t>    </a:t>
             </a:r>
             <a:r>
-              <a:rPr lang="en-US" sz="900">
+              <a:rPr lang="en-US" sz="900" dirty="0">
                 <a:solidFill>
                   <a:srgbClr val="646464"/>
                 </a:solidFill>
@@ -20056,7 +20079,7 @@
           </a:p>
           <a:p>
             <a:r>
-              <a:rPr lang="en-US" sz="900">
+              <a:rPr lang="en-US" sz="900" dirty="0">
                 <a:solidFill>
                   <a:srgbClr val="646464"/>
                 </a:solidFill>
@@ -20068,7 +20091,7 @@
               <a:t>    @Column</a:t>
             </a:r>
             <a:r>
-              <a:rPr lang="en-US" sz="900">
+              <a:rPr lang="en-US" sz="900" dirty="0">
                 <a:solidFill>
                   <a:srgbClr val="000000"/>
                 </a:solidFill>
@@ -20080,7 +20103,7 @@
               <a:t>(name = </a:t>
             </a:r>
             <a:r>
-              <a:rPr lang="en-US" sz="900">
+              <a:rPr lang="en-US" sz="900" dirty="0">
                 <a:solidFill>
                   <a:srgbClr val="2A00FF"/>
                 </a:solidFill>
@@ -20089,21 +20112,45 @@
                 </a:highlight>
                 <a:latin typeface="Consolas" panose="020B0609020204030204" pitchFamily="49" charset="0"/>
               </a:rPr>
-              <a:t>"job_id"</a:t>
-            </a:r>
-            <a:r>
-              <a:rPr lang="en-US" sz="900">
-                <a:solidFill>
-                  <a:srgbClr val="000000"/>
+              <a:t>"</a:t>
+            </a:r>
+            <a:r>
+              <a:rPr lang="en-US" sz="900" dirty="0" err="1">
+                <a:solidFill>
+                  <a:srgbClr val="2A00FF"/>
                 </a:solidFill>
                 <a:highlight>
                   <a:srgbClr val="E8F2FE"/>
                 </a:highlight>
                 <a:latin typeface="Consolas" panose="020B0609020204030204" pitchFamily="49" charset="0"/>
               </a:rPr>
+              <a:t>job_id</a:t>
+            </a:r>
+            <a:r>
+              <a:rPr lang="en-US" sz="900" dirty="0">
+                <a:solidFill>
+                  <a:srgbClr val="2A00FF"/>
+                </a:solidFill>
+                <a:highlight>
+                  <a:srgbClr val="E8F2FE"/>
+                </a:highlight>
+                <a:latin typeface="Consolas" panose="020B0609020204030204" pitchFamily="49" charset="0"/>
+              </a:rPr>
+              <a:t>"</a:t>
+            </a:r>
+            <a:r>
+              <a:rPr lang="en-US" sz="900" dirty="0">
+                <a:solidFill>
+                  <a:srgbClr val="000000"/>
+                </a:solidFill>
+                <a:highlight>
+                  <a:srgbClr val="E8F2FE"/>
+                </a:highlight>
+                <a:latin typeface="Consolas" panose="020B0609020204030204" pitchFamily="49" charset="0"/>
+              </a:rPr>
               <a:t>, length = 10)</a:t>
             </a:r>
-            <a:endParaRPr lang="en-US" sz="900">
+            <a:endParaRPr lang="en-US" sz="900" dirty="0">
               <a:solidFill>
                 <a:srgbClr val="646464"/>
               </a:solidFill>
@@ -20112,7 +20159,7 @@
           </a:p>
           <a:p>
             <a:r>
-              <a:rPr lang="en-US" sz="900">
+              <a:rPr lang="en-US" sz="900" dirty="0">
                 <a:solidFill>
                   <a:srgbClr val="000000"/>
                 </a:solidFill>
@@ -20121,7 +20168,7 @@
               <a:t>    </a:t>
             </a:r>
             <a:r>
-              <a:rPr lang="en-US" sz="900" b="1">
+              <a:rPr lang="en-US" sz="900" b="1" dirty="0">
                 <a:solidFill>
                   <a:srgbClr val="7F0055"/>
                 </a:solidFill>
@@ -20130,7 +20177,7 @@
               <a:t>private</a:t>
             </a:r>
             <a:r>
-              <a:rPr lang="en-US" sz="900" b="1">
+              <a:rPr lang="en-US" sz="900" b="1" dirty="0">
                 <a:solidFill>
                   <a:srgbClr val="000000"/>
                 </a:solidFill>
@@ -20139,7 +20186,7 @@
               <a:t> String </a:t>
             </a:r>
             <a:r>
-              <a:rPr lang="en-US" sz="900" b="1">
+              <a:rPr lang="en-US" sz="900" b="1" dirty="0" err="1">
                 <a:solidFill>
                   <a:srgbClr val="0000C0"/>
                 </a:solidFill>
@@ -20148,7 +20195,7 @@
               <a:t>jobId</a:t>
             </a:r>
             <a:r>
-              <a:rPr lang="en-US" sz="900" b="1">
+              <a:rPr lang="en-US" sz="900" b="1" dirty="0">
                 <a:solidFill>
                   <a:srgbClr val="000000"/>
                 </a:solidFill>
@@ -20159,7 +20206,7 @@
           </a:p>
           <a:p>
             <a:r>
-              <a:rPr lang="en-US" sz="900">
+              <a:rPr lang="en-US" sz="900" dirty="0">
                 <a:solidFill>
                   <a:srgbClr val="000000"/>
                 </a:solidFill>
@@ -20170,7 +20217,7 @@
           </a:p>
           <a:p>
             <a:r>
-              <a:rPr lang="en-GB" sz="900">
+              <a:rPr lang="en-GB" sz="900" dirty="0">
                 <a:solidFill>
                   <a:srgbClr val="000000"/>
                 </a:solidFill>
@@ -20179,7 +20226,7 @@
               <a:t>    </a:t>
             </a:r>
             <a:r>
-              <a:rPr lang="en-GB" sz="900">
+              <a:rPr lang="en-GB" sz="900" dirty="0">
                 <a:solidFill>
                   <a:srgbClr val="646464"/>
                 </a:solidFill>
@@ -20188,7 +20235,7 @@
               <a:t>@Column</a:t>
             </a:r>
             <a:r>
-              <a:rPr lang="en-GB" sz="900">
+              <a:rPr lang="en-GB" sz="900" dirty="0">
                 <a:solidFill>
                   <a:srgbClr val="000000"/>
                 </a:solidFill>
@@ -20197,16 +20244,34 @@
               <a:t>(name = </a:t>
             </a:r>
             <a:r>
-              <a:rPr lang="en-GB" sz="900">
+              <a:rPr lang="en-GB" sz="900" dirty="0">
                 <a:solidFill>
                   <a:srgbClr val="2A00FF"/>
                 </a:solidFill>
                 <a:latin typeface="Consolas" panose="020B0609020204030204" pitchFamily="49" charset="0"/>
               </a:rPr>
-              <a:t>"job_title"</a:t>
-            </a:r>
-            <a:r>
-              <a:rPr lang="en-GB" sz="900">
+              <a:t>"</a:t>
+            </a:r>
+            <a:r>
+              <a:rPr lang="en-GB" sz="900" dirty="0" err="1">
+                <a:solidFill>
+                  <a:srgbClr val="2A00FF"/>
+                </a:solidFill>
+                <a:latin typeface="Consolas" panose="020B0609020204030204" pitchFamily="49" charset="0"/>
+              </a:rPr>
+              <a:t>job_title</a:t>
+            </a:r>
+            <a:r>
+              <a:rPr lang="en-GB" sz="900" dirty="0">
+                <a:solidFill>
+                  <a:srgbClr val="2A00FF"/>
+                </a:solidFill>
+                <a:latin typeface="Consolas" panose="020B0609020204030204" pitchFamily="49" charset="0"/>
+              </a:rPr>
+              <a:t>"</a:t>
+            </a:r>
+            <a:r>
+              <a:rPr lang="en-GB" sz="900" dirty="0">
                 <a:solidFill>
                   <a:srgbClr val="000000"/>
                 </a:solidFill>
@@ -20215,7 +20280,7 @@
               <a:t>, length = 255, nullable = </a:t>
             </a:r>
             <a:r>
-              <a:rPr lang="en-GB" sz="900" b="1">
+              <a:rPr lang="en-GB" sz="900" b="1" dirty="0">
                 <a:solidFill>
                   <a:srgbClr val="7F0055"/>
                 </a:solidFill>
@@ -20224,7 +20289,7 @@
               <a:t>false</a:t>
             </a:r>
             <a:r>
-              <a:rPr lang="en-GB" sz="900" b="1">
+              <a:rPr lang="en-GB" sz="900" b="1" dirty="0">
                 <a:solidFill>
                   <a:srgbClr val="000000"/>
                 </a:solidFill>
@@ -20233,7 +20298,7 @@
               <a:t>, unique = </a:t>
             </a:r>
             <a:r>
-              <a:rPr lang="en-GB" sz="900" b="1">
+              <a:rPr lang="en-GB" sz="900" b="1" dirty="0">
                 <a:solidFill>
                   <a:srgbClr val="7F0055"/>
                 </a:solidFill>
@@ -20242,7 +20307,7 @@
               <a:t>true</a:t>
             </a:r>
             <a:r>
-              <a:rPr lang="en-GB" sz="900" b="1">
+              <a:rPr lang="en-GB" sz="900" b="1" dirty="0">
                 <a:solidFill>
                   <a:srgbClr val="000000"/>
                 </a:solidFill>
@@ -20253,7 +20318,7 @@
           </a:p>
           <a:p>
             <a:r>
-              <a:rPr lang="en-US" sz="900">
+              <a:rPr lang="en-US" sz="900" dirty="0">
                 <a:solidFill>
                   <a:srgbClr val="000000"/>
                 </a:solidFill>
@@ -20262,7 +20327,7 @@
               <a:t>    </a:t>
             </a:r>
             <a:r>
-              <a:rPr lang="en-US" sz="900" b="1">
+              <a:rPr lang="en-US" sz="900" b="1" dirty="0">
                 <a:solidFill>
                   <a:srgbClr val="7F0055"/>
                 </a:solidFill>
@@ -20271,7 +20336,7 @@
               <a:t>private</a:t>
             </a:r>
             <a:r>
-              <a:rPr lang="en-US" sz="900" b="1">
+              <a:rPr lang="en-US" sz="900" b="1" dirty="0">
                 <a:solidFill>
                   <a:srgbClr val="000000"/>
                 </a:solidFill>
@@ -20280,7 +20345,7 @@
               <a:t> String </a:t>
             </a:r>
             <a:r>
-              <a:rPr lang="en-US" sz="900" b="1">
+              <a:rPr lang="en-US" sz="900" b="1" dirty="0" err="1">
                 <a:solidFill>
                   <a:srgbClr val="0000C0"/>
                 </a:solidFill>
@@ -20289,7 +20354,7 @@
               <a:t>jobTitle</a:t>
             </a:r>
             <a:r>
-              <a:rPr lang="en-US" sz="900" b="1">
+              <a:rPr lang="en-US" sz="900" b="1" dirty="0">
                 <a:solidFill>
                   <a:srgbClr val="000000"/>
                 </a:solidFill>
@@ -20300,7 +20365,7 @@
           </a:p>
           <a:p>
             <a:r>
-              <a:rPr lang="en-US" sz="900">
+              <a:rPr lang="en-US" sz="900" dirty="0">
                 <a:solidFill>
                   <a:srgbClr val="000000"/>
                 </a:solidFill>
@@ -20311,7 +20376,7 @@
           </a:p>
           <a:p>
             <a:r>
-              <a:rPr lang="en-US" sz="900">
+              <a:rPr lang="en-US" sz="900" dirty="0">
                 <a:solidFill>
                   <a:srgbClr val="000000"/>
                 </a:solidFill>
@@ -20320,7 +20385,7 @@
               <a:t>    </a:t>
             </a:r>
             <a:r>
-              <a:rPr lang="en-US" sz="900">
+              <a:rPr lang="en-US" sz="900" dirty="0">
                 <a:solidFill>
                   <a:srgbClr val="646464"/>
                 </a:solidFill>
@@ -20329,7 +20394,7 @@
               <a:t>@Column</a:t>
             </a:r>
             <a:r>
-              <a:rPr lang="en-US" sz="900">
+              <a:rPr lang="en-US" sz="900" dirty="0">
                 <a:solidFill>
                   <a:srgbClr val="000000"/>
                 </a:solidFill>
@@ -20338,16 +20403,34 @@
               <a:t>(name = </a:t>
             </a:r>
             <a:r>
-              <a:rPr lang="en-US" sz="900">
+              <a:rPr lang="en-US" sz="900" dirty="0">
                 <a:solidFill>
                   <a:srgbClr val="2A00FF"/>
                 </a:solidFill>
                 <a:latin typeface="Consolas" panose="020B0609020204030204" pitchFamily="49" charset="0"/>
               </a:rPr>
-              <a:t>"min_salary"</a:t>
-            </a:r>
-            <a:r>
-              <a:rPr lang="en-US" sz="900">
+              <a:t>"</a:t>
+            </a:r>
+            <a:r>
+              <a:rPr lang="en-US" sz="900" dirty="0" err="1">
+                <a:solidFill>
+                  <a:srgbClr val="2A00FF"/>
+                </a:solidFill>
+                <a:latin typeface="Consolas" panose="020B0609020204030204" pitchFamily="49" charset="0"/>
+              </a:rPr>
+              <a:t>min_salary</a:t>
+            </a:r>
+            <a:r>
+              <a:rPr lang="en-US" sz="900" dirty="0">
+                <a:solidFill>
+                  <a:srgbClr val="2A00FF"/>
+                </a:solidFill>
+                <a:latin typeface="Consolas" panose="020B0609020204030204" pitchFamily="49" charset="0"/>
+              </a:rPr>
+              <a:t>"</a:t>
+            </a:r>
+            <a:r>
+              <a:rPr lang="en-US" sz="900" dirty="0">
                 <a:solidFill>
                   <a:srgbClr val="000000"/>
                 </a:solidFill>
@@ -20358,7 +20441,7 @@
           </a:p>
           <a:p>
             <a:r>
-              <a:rPr lang="en-US" sz="900">
+              <a:rPr lang="en-US" sz="900" dirty="0">
                 <a:solidFill>
                   <a:srgbClr val="000000"/>
                 </a:solidFill>
@@ -20367,7 +20450,7 @@
               <a:t>    </a:t>
             </a:r>
             <a:r>
-              <a:rPr lang="en-US" sz="900" b="1">
+              <a:rPr lang="en-US" sz="900" b="1" dirty="0">
                 <a:solidFill>
                   <a:srgbClr val="7F0055"/>
                 </a:solidFill>
@@ -20376,7 +20459,7 @@
               <a:t>private</a:t>
             </a:r>
             <a:r>
-              <a:rPr lang="en-US" sz="900" b="1">
+              <a:rPr lang="en-US" sz="900" b="1" dirty="0">
                 <a:solidFill>
                   <a:srgbClr val="000000"/>
                 </a:solidFill>
@@ -20385,7 +20468,7 @@
               <a:t> </a:t>
             </a:r>
             <a:r>
-              <a:rPr lang="en-US" sz="900" b="1">
+              <a:rPr lang="en-US" sz="900" b="1" dirty="0">
                 <a:solidFill>
                   <a:srgbClr val="7F0055"/>
                 </a:solidFill>
@@ -20394,7 +20477,7 @@
               <a:t>double</a:t>
             </a:r>
             <a:r>
-              <a:rPr lang="en-US" sz="900" b="1">
+              <a:rPr lang="en-US" sz="900" b="1" dirty="0">
                 <a:solidFill>
                   <a:srgbClr val="000000"/>
                 </a:solidFill>
@@ -20403,7 +20486,7 @@
               <a:t> </a:t>
             </a:r>
             <a:r>
-              <a:rPr lang="en-US" sz="900" b="1">
+              <a:rPr lang="en-US" sz="900" b="1" dirty="0" err="1">
                 <a:solidFill>
                   <a:srgbClr val="0000C0"/>
                 </a:solidFill>
@@ -20412,7 +20495,7 @@
               <a:t>minSalary</a:t>
             </a:r>
             <a:r>
-              <a:rPr lang="en-US" sz="900" b="1">
+              <a:rPr lang="en-US" sz="900" b="1" dirty="0">
                 <a:solidFill>
                   <a:srgbClr val="000000"/>
                 </a:solidFill>
@@ -20423,7 +20506,7 @@
           </a:p>
           <a:p>
             <a:r>
-              <a:rPr lang="en-US" sz="900">
+              <a:rPr lang="en-US" sz="900" dirty="0">
                 <a:solidFill>
                   <a:srgbClr val="000000"/>
                 </a:solidFill>
@@ -20434,7 +20517,7 @@
           </a:p>
           <a:p>
             <a:r>
-              <a:rPr lang="en-US" sz="900">
+              <a:rPr lang="en-US" sz="900" dirty="0">
                 <a:solidFill>
                   <a:srgbClr val="000000"/>
                 </a:solidFill>
@@ -20443,7 +20526,7 @@
               <a:t>    </a:t>
             </a:r>
             <a:r>
-              <a:rPr lang="en-US" sz="900">
+              <a:rPr lang="en-US" sz="900" dirty="0">
                 <a:solidFill>
                   <a:srgbClr val="646464"/>
                 </a:solidFill>
@@ -20452,7 +20535,7 @@
               <a:t>@Column</a:t>
             </a:r>
             <a:r>
-              <a:rPr lang="en-US" sz="900">
+              <a:rPr lang="en-US" sz="900" dirty="0">
                 <a:solidFill>
                   <a:srgbClr val="000000"/>
                 </a:solidFill>
@@ -20461,16 +20544,34 @@
               <a:t>(name = </a:t>
             </a:r>
             <a:r>
-              <a:rPr lang="en-US" sz="900">
+              <a:rPr lang="en-US" sz="900" dirty="0">
                 <a:solidFill>
                   <a:srgbClr val="2A00FF"/>
                 </a:solidFill>
                 <a:latin typeface="Consolas" panose="020B0609020204030204" pitchFamily="49" charset="0"/>
               </a:rPr>
-              <a:t>"min_salary"</a:t>
-            </a:r>
-            <a:r>
-              <a:rPr lang="en-US" sz="900">
+              <a:t>"</a:t>
+            </a:r>
+            <a:r>
+              <a:rPr lang="en-US" sz="900" dirty="0" err="1">
+                <a:solidFill>
+                  <a:srgbClr val="2A00FF"/>
+                </a:solidFill>
+                <a:latin typeface="Consolas" panose="020B0609020204030204" pitchFamily="49" charset="0"/>
+              </a:rPr>
+              <a:t>min_salary</a:t>
+            </a:r>
+            <a:r>
+              <a:rPr lang="en-US" sz="900" dirty="0">
+                <a:solidFill>
+                  <a:srgbClr val="2A00FF"/>
+                </a:solidFill>
+                <a:latin typeface="Consolas" panose="020B0609020204030204" pitchFamily="49" charset="0"/>
+              </a:rPr>
+              <a:t>"</a:t>
+            </a:r>
+            <a:r>
+              <a:rPr lang="en-US" sz="900" dirty="0">
                 <a:solidFill>
                   <a:srgbClr val="000000"/>
                 </a:solidFill>
@@ -20481,7 +20582,7 @@
           </a:p>
           <a:p>
             <a:r>
-              <a:rPr lang="en-US" sz="900">
+              <a:rPr lang="en-US" sz="900" dirty="0">
                 <a:solidFill>
                   <a:srgbClr val="000000"/>
                 </a:solidFill>
@@ -20490,7 +20591,7 @@
               <a:t>    </a:t>
             </a:r>
             <a:r>
-              <a:rPr lang="en-US" sz="900" b="1">
+              <a:rPr lang="en-US" sz="900" b="1" dirty="0">
                 <a:solidFill>
                   <a:srgbClr val="7F0055"/>
                 </a:solidFill>
@@ -20499,7 +20600,7 @@
               <a:t>private</a:t>
             </a:r>
             <a:r>
-              <a:rPr lang="en-US" sz="900" b="1">
+              <a:rPr lang="en-US" sz="900" b="1" dirty="0">
                 <a:solidFill>
                   <a:srgbClr val="000000"/>
                 </a:solidFill>
@@ -20508,7 +20609,7 @@
               <a:t> </a:t>
             </a:r>
             <a:r>
-              <a:rPr lang="en-US" sz="900" b="1">
+              <a:rPr lang="en-US" sz="900" b="1" dirty="0">
                 <a:solidFill>
                   <a:srgbClr val="7F0055"/>
                 </a:solidFill>
@@ -20517,7 +20618,7 @@
               <a:t>double</a:t>
             </a:r>
             <a:r>
-              <a:rPr lang="en-US" sz="900" b="1">
+              <a:rPr lang="en-US" sz="900" b="1" dirty="0">
                 <a:solidFill>
                   <a:srgbClr val="000000"/>
                 </a:solidFill>
@@ -20526,7 +20627,7 @@
               <a:t> </a:t>
             </a:r>
             <a:r>
-              <a:rPr lang="en-US" sz="900" b="1">
+              <a:rPr lang="en-US" sz="900" b="1" dirty="0" err="1">
                 <a:solidFill>
                   <a:srgbClr val="0000C0"/>
                 </a:solidFill>
@@ -20535,7 +20636,7 @@
               <a:t>maxSalary</a:t>
             </a:r>
             <a:r>
-              <a:rPr lang="en-US" sz="900" b="1">
+              <a:rPr lang="en-US" sz="900" b="1" dirty="0">
                 <a:solidFill>
                   <a:srgbClr val="000000"/>
                 </a:solidFill>
@@ -20546,7 +20647,7 @@
           </a:p>
           <a:p>
             <a:r>
-              <a:rPr lang="en-US" sz="900">
+              <a:rPr lang="en-US" sz="900" dirty="0">
                 <a:solidFill>
                   <a:srgbClr val="000000"/>
                 </a:solidFill>
@@ -20557,7 +20658,7 @@
           </a:p>
           <a:p>
             <a:r>
-              <a:rPr lang="en-US" sz="900">
+              <a:rPr lang="en-US" sz="900" dirty="0">
                 <a:solidFill>
                   <a:srgbClr val="000000"/>
                 </a:solidFill>
@@ -20566,7 +20667,7 @@
               <a:t>    </a:t>
             </a:r>
             <a:r>
-              <a:rPr lang="en-US" sz="900" b="1">
+              <a:rPr lang="en-US" sz="900" b="1" dirty="0">
                 <a:solidFill>
                   <a:srgbClr val="7F0055"/>
                 </a:solidFill>
@@ -20575,7 +20676,7 @@
               <a:t>public</a:t>
             </a:r>
             <a:r>
-              <a:rPr lang="en-US" sz="900" b="1">
+              <a:rPr lang="en-US" sz="900" b="1" dirty="0">
                 <a:solidFill>
                   <a:srgbClr val="000000"/>
                 </a:solidFill>
@@ -20586,7 +20687,7 @@
           </a:p>
           <a:p>
             <a:r>
-              <a:rPr lang="en-US" sz="900">
+              <a:rPr lang="en-US" sz="900" dirty="0">
                 <a:solidFill>
                   <a:srgbClr val="000000"/>
                 </a:solidFill>
@@ -20597,7 +20698,7 @@
           </a:p>
           <a:p>
             <a:r>
-              <a:rPr lang="en-US" sz="900">
+              <a:rPr lang="en-US" sz="900" dirty="0">
                 <a:solidFill>
                   <a:srgbClr val="000000"/>
                 </a:solidFill>
@@ -20608,7 +20709,7 @@
           </a:p>
           <a:p>
             <a:r>
-              <a:rPr lang="en-GB" sz="900">
+              <a:rPr lang="en-GB" sz="900" dirty="0">
                 <a:solidFill>
                   <a:srgbClr val="000000"/>
                 </a:solidFill>
@@ -20617,7 +20718,7 @@
               <a:t>    </a:t>
             </a:r>
             <a:r>
-              <a:rPr lang="en-GB" sz="900" b="1">
+              <a:rPr lang="en-GB" sz="900" b="1" dirty="0">
                 <a:solidFill>
                   <a:srgbClr val="7F0055"/>
                 </a:solidFill>
@@ -20626,7 +20727,7 @@
               <a:t>public</a:t>
             </a:r>
             <a:r>
-              <a:rPr lang="en-GB" sz="900" b="1">
+              <a:rPr lang="en-GB" sz="900" b="1" dirty="0">
                 <a:solidFill>
                   <a:srgbClr val="000000"/>
                 </a:solidFill>
@@ -20635,7 +20736,7 @@
               <a:t> Jobs(String </a:t>
             </a:r>
             <a:r>
-              <a:rPr lang="en-GB" sz="900" b="1">
+              <a:rPr lang="en-GB" sz="900" b="1" dirty="0" err="1">
                 <a:solidFill>
                   <a:srgbClr val="6A3E3E"/>
                 </a:solidFill>
@@ -20644,7 +20745,7 @@
               <a:t>jobId</a:t>
             </a:r>
             <a:r>
-              <a:rPr lang="en-GB" sz="900" b="1">
+              <a:rPr lang="en-GB" sz="900" b="1" dirty="0">
                 <a:solidFill>
                   <a:srgbClr val="000000"/>
                 </a:solidFill>
@@ -20653,7 +20754,7 @@
               <a:t>, String </a:t>
             </a:r>
             <a:r>
-              <a:rPr lang="en-GB" sz="900" b="1">
+              <a:rPr lang="en-GB" sz="900" b="1" dirty="0" err="1">
                 <a:solidFill>
                   <a:srgbClr val="6A3E3E"/>
                 </a:solidFill>
@@ -20662,7 +20763,7 @@
               <a:t>jobTitle</a:t>
             </a:r>
             <a:r>
-              <a:rPr lang="en-GB" sz="900" b="1">
+              <a:rPr lang="en-GB" sz="900" b="1" dirty="0">
                 <a:solidFill>
                   <a:srgbClr val="000000"/>
                 </a:solidFill>
@@ -20671,7 +20772,7 @@
               <a:t>, </a:t>
             </a:r>
             <a:r>
-              <a:rPr lang="en-GB" sz="900" b="1">
+              <a:rPr lang="en-GB" sz="900" b="1" dirty="0">
                 <a:solidFill>
                   <a:srgbClr val="7F0055"/>
                 </a:solidFill>
@@ -20680,7 +20781,7 @@
               <a:t>double</a:t>
             </a:r>
             <a:r>
-              <a:rPr lang="en-GB" sz="900" b="1">
+              <a:rPr lang="en-GB" sz="900" b="1" dirty="0">
                 <a:solidFill>
                   <a:srgbClr val="000000"/>
                 </a:solidFill>
@@ -20689,7 +20790,7 @@
               <a:t> </a:t>
             </a:r>
             <a:r>
-              <a:rPr lang="en-GB" sz="900" b="1">
+              <a:rPr lang="en-GB" sz="900" b="1" dirty="0" err="1">
                 <a:solidFill>
                   <a:srgbClr val="6A3E3E"/>
                 </a:solidFill>
@@ -20698,7 +20799,7 @@
               <a:t>minSalary</a:t>
             </a:r>
             <a:r>
-              <a:rPr lang="en-GB" sz="900" b="1">
+              <a:rPr lang="en-GB" sz="900" b="1" dirty="0">
                 <a:solidFill>
                   <a:srgbClr val="000000"/>
                 </a:solidFill>
@@ -20709,7 +20810,7 @@
           </a:p>
           <a:p>
             <a:r>
-              <a:rPr lang="en-US" sz="900">
+              <a:rPr lang="en-US" sz="900" dirty="0">
                 <a:solidFill>
                   <a:srgbClr val="000000"/>
                 </a:solidFill>
@@ -20718,7 +20819,7 @@
               <a:t>            </a:t>
             </a:r>
             <a:r>
-              <a:rPr lang="en-US" sz="900" b="1">
+              <a:rPr lang="en-US" sz="900" b="1" dirty="0">
                 <a:solidFill>
                   <a:srgbClr val="7F0055"/>
                 </a:solidFill>
@@ -20727,7 +20828,7 @@
               <a:t>double</a:t>
             </a:r>
             <a:r>
-              <a:rPr lang="en-US" sz="900" b="1">
+              <a:rPr lang="en-US" sz="900" b="1" dirty="0">
                 <a:solidFill>
                   <a:srgbClr val="000000"/>
                 </a:solidFill>
@@ -20736,7 +20837,7 @@
               <a:t> </a:t>
             </a:r>
             <a:r>
-              <a:rPr lang="en-US" sz="900" b="1">
+              <a:rPr lang="en-US" sz="900" b="1" dirty="0" err="1">
                 <a:solidFill>
                   <a:srgbClr val="6A3E3E"/>
                 </a:solidFill>
@@ -20745,7 +20846,7 @@
               <a:t>maxSalary</a:t>
             </a:r>
             <a:r>
-              <a:rPr lang="en-US" sz="900" b="1">
+              <a:rPr lang="en-US" sz="900" b="1" dirty="0">
                 <a:solidFill>
                   <a:srgbClr val="000000"/>
                 </a:solidFill>
@@ -20756,7 +20857,7 @@
           </a:p>
           <a:p>
             <a:r>
-              <a:rPr lang="en-US" sz="900">
+              <a:rPr lang="en-US" sz="900" dirty="0">
                 <a:solidFill>
                   <a:srgbClr val="000000"/>
                 </a:solidFill>
@@ -20765,7 +20866,7 @@
               <a:t>        </a:t>
             </a:r>
             <a:r>
-              <a:rPr lang="en-US" sz="900" b="1">
+              <a:rPr lang="en-US" sz="900" b="1" dirty="0">
                 <a:solidFill>
                   <a:srgbClr val="7F0055"/>
                 </a:solidFill>
@@ -20774,7 +20875,7 @@
               <a:t>super</a:t>
             </a:r>
             <a:r>
-              <a:rPr lang="en-US" sz="900" b="1">
+              <a:rPr lang="en-US" sz="900" b="1" dirty="0">
                 <a:solidFill>
                   <a:srgbClr val="000000"/>
                 </a:solidFill>
@@ -20785,7 +20886,7 @@
           </a:p>
           <a:p>
             <a:r>
-              <a:rPr lang="en-US" sz="900">
+              <a:rPr lang="en-US" sz="900" dirty="0">
                 <a:solidFill>
                   <a:srgbClr val="000000"/>
                 </a:solidFill>
@@ -20794,7 +20895,7 @@
               <a:t>        </a:t>
             </a:r>
             <a:r>
-              <a:rPr lang="en-US" sz="900" b="1">
+              <a:rPr lang="en-US" sz="900" b="1" dirty="0" err="1">
                 <a:solidFill>
                   <a:srgbClr val="7F0055"/>
                 </a:solidFill>
@@ -20803,7 +20904,7 @@
               <a:t>this</a:t>
             </a:r>
             <a:r>
-              <a:rPr lang="en-US" sz="900" b="1">
+              <a:rPr lang="en-US" sz="900" b="1" dirty="0" err="1">
                 <a:solidFill>
                   <a:srgbClr val="000000"/>
                 </a:solidFill>
@@ -20812,7 +20913,7 @@
               <a:t>.</a:t>
             </a:r>
             <a:r>
-              <a:rPr lang="en-US" sz="900" b="1">
+              <a:rPr lang="en-US" sz="900" b="1" dirty="0" err="1">
                 <a:solidFill>
                   <a:srgbClr val="0000C0"/>
                 </a:solidFill>
@@ -20821,7 +20922,7 @@
               <a:t>jobId</a:t>
             </a:r>
             <a:r>
-              <a:rPr lang="en-US" sz="900" b="1">
+              <a:rPr lang="en-US" sz="900" b="1" dirty="0">
                 <a:solidFill>
                   <a:srgbClr val="000000"/>
                 </a:solidFill>
@@ -20830,7 +20931,7 @@
               <a:t> = </a:t>
             </a:r>
             <a:r>
-              <a:rPr lang="en-US" sz="900" b="1">
+              <a:rPr lang="en-US" sz="900" b="1" dirty="0" err="1">
                 <a:solidFill>
                   <a:srgbClr val="6A3E3E"/>
                 </a:solidFill>
@@ -20839,7 +20940,7 @@
               <a:t>jobId</a:t>
             </a:r>
             <a:r>
-              <a:rPr lang="en-US" sz="900" b="1">
+              <a:rPr lang="en-US" sz="900" b="1" dirty="0">
                 <a:solidFill>
                   <a:srgbClr val="000000"/>
                 </a:solidFill>
@@ -20850,7 +20951,7 @@
           </a:p>
           <a:p>
             <a:r>
-              <a:rPr lang="en-US" sz="900">
+              <a:rPr lang="en-US" sz="900" dirty="0">
                 <a:solidFill>
                   <a:srgbClr val="000000"/>
                 </a:solidFill>
@@ -20859,7 +20960,7 @@
               <a:t>        </a:t>
             </a:r>
             <a:r>
-              <a:rPr lang="en-US" sz="900" b="1">
+              <a:rPr lang="en-US" sz="900" b="1" dirty="0" err="1">
                 <a:solidFill>
                   <a:srgbClr val="7F0055"/>
                 </a:solidFill>
@@ -20868,7 +20969,7 @@
               <a:t>this</a:t>
             </a:r>
             <a:r>
-              <a:rPr lang="en-US" sz="900" b="1">
+              <a:rPr lang="en-US" sz="900" b="1" dirty="0" err="1">
                 <a:solidFill>
                   <a:srgbClr val="000000"/>
                 </a:solidFill>
@@ -20877,7 +20978,7 @@
               <a:t>.</a:t>
             </a:r>
             <a:r>
-              <a:rPr lang="en-US" sz="900" b="1">
+              <a:rPr lang="en-US" sz="900" b="1" dirty="0" err="1">
                 <a:solidFill>
                   <a:srgbClr val="0000C0"/>
                 </a:solidFill>
@@ -20886,7 +20987,7 @@
               <a:t>jobTitle</a:t>
             </a:r>
             <a:r>
-              <a:rPr lang="en-US" sz="900" b="1">
+              <a:rPr lang="en-US" sz="900" b="1" dirty="0">
                 <a:solidFill>
                   <a:srgbClr val="000000"/>
                 </a:solidFill>
@@ -20895,7 +20996,7 @@
               <a:t> = </a:t>
             </a:r>
             <a:r>
-              <a:rPr lang="en-US" sz="900" b="1">
+              <a:rPr lang="en-US" sz="900" b="1" dirty="0" err="1">
                 <a:solidFill>
                   <a:srgbClr val="6A3E3E"/>
                 </a:solidFill>
@@ -20904,7 +21005,7 @@
               <a:t>jobTitle</a:t>
             </a:r>
             <a:r>
-              <a:rPr lang="en-US" sz="900" b="1">
+              <a:rPr lang="en-US" sz="900" b="1" dirty="0">
                 <a:solidFill>
                   <a:srgbClr val="000000"/>
                 </a:solidFill>
@@ -20915,7 +21016,7 @@
           </a:p>
           <a:p>
             <a:r>
-              <a:rPr lang="en-US" sz="900">
+              <a:rPr lang="en-US" sz="900" dirty="0">
                 <a:solidFill>
                   <a:srgbClr val="000000"/>
                 </a:solidFill>
@@ -20924,7 +21025,7 @@
               <a:t>        </a:t>
             </a:r>
             <a:r>
-              <a:rPr lang="en-US" sz="900" b="1">
+              <a:rPr lang="en-US" sz="900" b="1" dirty="0" err="1">
                 <a:solidFill>
                   <a:srgbClr val="7F0055"/>
                 </a:solidFill>
@@ -20933,7 +21034,7 @@
               <a:t>this</a:t>
             </a:r>
             <a:r>
-              <a:rPr lang="en-US" sz="900" b="1">
+              <a:rPr lang="en-US" sz="900" b="1" dirty="0" err="1">
                 <a:solidFill>
                   <a:srgbClr val="000000"/>
                 </a:solidFill>
@@ -20942,7 +21043,7 @@
               <a:t>.</a:t>
             </a:r>
             <a:r>
-              <a:rPr lang="en-US" sz="900" b="1">
+              <a:rPr lang="en-US" sz="900" b="1" dirty="0" err="1">
                 <a:solidFill>
                   <a:srgbClr val="0000C0"/>
                 </a:solidFill>
@@ -20951,7 +21052,7 @@
               <a:t>minSalary</a:t>
             </a:r>
             <a:r>
-              <a:rPr lang="en-US" sz="900" b="1">
+              <a:rPr lang="en-US" sz="900" b="1" dirty="0">
                 <a:solidFill>
                   <a:srgbClr val="000000"/>
                 </a:solidFill>
@@ -20960,7 +21061,7 @@
               <a:t> = </a:t>
             </a:r>
             <a:r>
-              <a:rPr lang="en-US" sz="900" b="1">
+              <a:rPr lang="en-US" sz="900" b="1" dirty="0" err="1">
                 <a:solidFill>
                   <a:srgbClr val="6A3E3E"/>
                 </a:solidFill>
@@ -20969,7 +21070,7 @@
               <a:t>minSalary</a:t>
             </a:r>
             <a:r>
-              <a:rPr lang="en-US" sz="900" b="1">
+              <a:rPr lang="en-US" sz="900" b="1" dirty="0">
                 <a:solidFill>
                   <a:srgbClr val="000000"/>
                 </a:solidFill>
@@ -20980,7 +21081,7 @@
           </a:p>
           <a:p>
             <a:r>
-              <a:rPr lang="en-US" sz="900">
+              <a:rPr lang="en-US" sz="900" dirty="0">
                 <a:solidFill>
                   <a:srgbClr val="000000"/>
                 </a:solidFill>
@@ -20989,7 +21090,7 @@
               <a:t>        </a:t>
             </a:r>
             <a:r>
-              <a:rPr lang="en-US" sz="900" b="1">
+              <a:rPr lang="en-US" sz="900" b="1" dirty="0" err="1">
                 <a:solidFill>
                   <a:srgbClr val="7F0055"/>
                 </a:solidFill>
@@ -20998,7 +21099,7 @@
               <a:t>this</a:t>
             </a:r>
             <a:r>
-              <a:rPr lang="en-US" sz="900" b="1">
+              <a:rPr lang="en-US" sz="900" b="1" dirty="0" err="1">
                 <a:solidFill>
                   <a:srgbClr val="000000"/>
                 </a:solidFill>
@@ -21007,7 +21108,7 @@
               <a:t>.</a:t>
             </a:r>
             <a:r>
-              <a:rPr lang="en-US" sz="900" b="1">
+              <a:rPr lang="en-US" sz="900" b="1" dirty="0" err="1">
                 <a:solidFill>
                   <a:srgbClr val="0000C0"/>
                 </a:solidFill>
@@ -21016,7 +21117,7 @@
               <a:t>maxSalary</a:t>
             </a:r>
             <a:r>
-              <a:rPr lang="en-US" sz="900" b="1">
+              <a:rPr lang="en-US" sz="900" b="1" dirty="0">
                 <a:solidFill>
                   <a:srgbClr val="000000"/>
                 </a:solidFill>
@@ -21025,7 +21126,7 @@
               <a:t> = </a:t>
             </a:r>
             <a:r>
-              <a:rPr lang="en-US" sz="900" b="1">
+              <a:rPr lang="en-US" sz="900" b="1" dirty="0" err="1">
                 <a:solidFill>
                   <a:srgbClr val="6A3E3E"/>
                 </a:solidFill>
@@ -21034,7 +21135,7 @@
               <a:t>maxSalary</a:t>
             </a:r>
             <a:r>
-              <a:rPr lang="en-US" sz="900" b="1">
+              <a:rPr lang="en-US" sz="900" b="1" dirty="0">
                 <a:solidFill>
                   <a:srgbClr val="000000"/>
                 </a:solidFill>
@@ -21045,7 +21146,7 @@
           </a:p>
           <a:p>
             <a:r>
-              <a:rPr lang="en-US" sz="900">
+              <a:rPr lang="en-US" sz="900" dirty="0">
                 <a:solidFill>
                   <a:srgbClr val="000000"/>
                 </a:solidFill>
@@ -21056,7 +21157,7 @@
           </a:p>
           <a:p>
             <a:r>
-              <a:rPr lang="en-GB" sz="900">
+              <a:rPr lang="en-GB" sz="900" dirty="0">
                 <a:solidFill>
                   <a:schemeClr val="accent5">
                     <a:lumMod val="75000"/>
@@ -21066,7 +21167,7 @@
               </a:rPr>
               <a:t>//getter and setter methods</a:t>
             </a:r>
-            <a:endParaRPr lang="en-US" sz="900">
+            <a:endParaRPr lang="en-US" sz="900" dirty="0">
               <a:solidFill>
                 <a:schemeClr val="accent5">
                   <a:lumMod val="75000"/>
@@ -23098,10 +23199,18 @@
           <a:lstStyle/>
           <a:p>
             <a:r>
-              <a:rPr lang="en-GB"/>
-              <a:t>Create a HibernateUtils class</a:t>
-            </a:r>
-            <a:endParaRPr lang="en-US"/>
+              <a:rPr lang="en-GB" dirty="0"/>
+              <a:t>Create a </a:t>
+            </a:r>
+            <a:r>
+              <a:rPr lang="en-GB" dirty="0" err="1"/>
+              <a:t>HibernateUtils</a:t>
+            </a:r>
+            <a:r>
+              <a:rPr lang="en-GB" dirty="0"/>
+              <a:t> class</a:t>
+            </a:r>
+            <a:endParaRPr lang="en-US" dirty="0"/>
           </a:p>
         </p:txBody>
       </p:sp>
@@ -23177,7 +23286,7 @@
           <a:lstStyle/>
           <a:p>
             <a:r>
-              <a:rPr lang="en-US" sz="1200" b="1">
+              <a:rPr lang="en-US" sz="1200" b="1" dirty="0">
                 <a:solidFill>
                   <a:srgbClr val="7F0055"/>
                 </a:solidFill>
@@ -23186,7 +23295,7 @@
               <a:t>public</a:t>
             </a:r>
             <a:r>
-              <a:rPr lang="en-US" sz="1200" b="1">
+              <a:rPr lang="en-US" sz="1200" b="1" dirty="0">
                 <a:solidFill>
                   <a:srgbClr val="000000"/>
                 </a:solidFill>
@@ -23195,7 +23304,7 @@
               <a:t> </a:t>
             </a:r>
             <a:r>
-              <a:rPr lang="en-US" sz="1200" b="1">
+              <a:rPr lang="en-US" sz="1200" b="1" dirty="0">
                 <a:solidFill>
                   <a:srgbClr val="7F0055"/>
                 </a:solidFill>
@@ -23204,18 +23313,36 @@
               <a:t>class</a:t>
             </a:r>
             <a:r>
-              <a:rPr lang="en-US" sz="1200" b="1">
-                <a:solidFill>
-                  <a:srgbClr val="000000"/>
-                </a:solidFill>
-                <a:latin typeface="Consolas" panose="020B0609020204030204" pitchFamily="49" charset="0"/>
-              </a:rPr>
-              <a:t> HibernateUtils {</a:t>
-            </a:r>
-          </a:p>
-          <a:p>
-            <a:r>
-              <a:rPr lang="en-US" sz="1200">
+              <a:rPr lang="en-US" sz="1200" b="1" dirty="0">
+                <a:solidFill>
+                  <a:srgbClr val="000000"/>
+                </a:solidFill>
+                <a:latin typeface="Consolas" panose="020B0609020204030204" pitchFamily="49" charset="0"/>
+              </a:rPr>
+              <a:t> </a:t>
+            </a:r>
+            <a:r>
+              <a:rPr lang="en-US" sz="1200" b="1" dirty="0" err="1">
+                <a:solidFill>
+                  <a:srgbClr val="000000"/>
+                </a:solidFill>
+                <a:latin typeface="Consolas" panose="020B0609020204030204" pitchFamily="49" charset="0"/>
+              </a:rPr>
+              <a:t>HibernateUtils</a:t>
+            </a:r>
+            <a:r>
+              <a:rPr lang="en-US" sz="1200" b="1" dirty="0">
+                <a:solidFill>
+                  <a:srgbClr val="000000"/>
+                </a:solidFill>
+                <a:latin typeface="Consolas" panose="020B0609020204030204" pitchFamily="49" charset="0"/>
+              </a:rPr>
+              <a:t> {</a:t>
+            </a:r>
+          </a:p>
+          <a:p>
+            <a:r>
+              <a:rPr lang="en-US" sz="1200" dirty="0">
                 <a:solidFill>
                   <a:srgbClr val="000000"/>
                 </a:solidFill>
@@ -23224,7 +23351,7 @@
               <a:t>    </a:t>
             </a:r>
             <a:r>
-              <a:rPr lang="en-US" sz="1200" b="1">
+              <a:rPr lang="en-US" sz="1200" b="1" dirty="0">
                 <a:solidFill>
                   <a:srgbClr val="7F0055"/>
                 </a:solidFill>
@@ -23233,7 +23360,7 @@
               <a:t>private</a:t>
             </a:r>
             <a:r>
-              <a:rPr lang="en-US" sz="1200" b="1">
+              <a:rPr lang="en-US" sz="1200" b="1" dirty="0">
                 <a:solidFill>
                   <a:srgbClr val="000000"/>
                 </a:solidFill>
@@ -23242,7 +23369,7 @@
               <a:t> </a:t>
             </a:r>
             <a:r>
-              <a:rPr lang="en-US" sz="1200" b="1">
+              <a:rPr lang="en-US" sz="1200" b="1" dirty="0">
                 <a:solidFill>
                   <a:srgbClr val="7F0055"/>
                 </a:solidFill>
@@ -23251,16 +23378,34 @@
               <a:t>static</a:t>
             </a:r>
             <a:r>
-              <a:rPr lang="en-US" sz="1200" b="1">
-                <a:solidFill>
-                  <a:srgbClr val="000000"/>
-                </a:solidFill>
-                <a:latin typeface="Consolas" panose="020B0609020204030204" pitchFamily="49" charset="0"/>
-              </a:rPr>
-              <a:t> SessionFactory </a:t>
-            </a:r>
-            <a:r>
-              <a:rPr lang="en-US" sz="1200" b="1" i="1">
+              <a:rPr lang="en-US" sz="1200" b="1" dirty="0">
+                <a:solidFill>
+                  <a:srgbClr val="000000"/>
+                </a:solidFill>
+                <a:latin typeface="Consolas" panose="020B0609020204030204" pitchFamily="49" charset="0"/>
+              </a:rPr>
+              <a:t> </a:t>
+            </a:r>
+            <a:r>
+              <a:rPr lang="en-US" sz="1200" b="1" dirty="0" err="1">
+                <a:solidFill>
+                  <a:srgbClr val="000000"/>
+                </a:solidFill>
+                <a:latin typeface="Consolas" panose="020B0609020204030204" pitchFamily="49" charset="0"/>
+              </a:rPr>
+              <a:t>SessionFactory</a:t>
+            </a:r>
+            <a:r>
+              <a:rPr lang="en-US" sz="1200" b="1" dirty="0">
+                <a:solidFill>
+                  <a:srgbClr val="000000"/>
+                </a:solidFill>
+                <a:latin typeface="Consolas" panose="020B0609020204030204" pitchFamily="49" charset="0"/>
+              </a:rPr>
+              <a:t> </a:t>
+            </a:r>
+            <a:r>
+              <a:rPr lang="en-US" sz="1200" b="1" i="1" dirty="0" err="1">
                 <a:solidFill>
                   <a:srgbClr val="0000C0"/>
                 </a:solidFill>
@@ -23269,7 +23414,7 @@
               <a:t>sessionFactory</a:t>
             </a:r>
             <a:r>
-              <a:rPr lang="en-US" sz="1200" b="1" i="1">
+              <a:rPr lang="en-US" sz="1200" b="1" i="1" dirty="0">
                 <a:solidFill>
                   <a:srgbClr val="000000"/>
                 </a:solidFill>
@@ -23280,7 +23425,7 @@
           </a:p>
           <a:p>
             <a:r>
-              <a:rPr lang="en-US" sz="1200">
+              <a:rPr lang="en-US" sz="1200" dirty="0">
                 <a:solidFill>
                   <a:srgbClr val="000000"/>
                 </a:solidFill>
@@ -23291,7 +23436,7 @@
           </a:p>
           <a:p>
             <a:r>
-              <a:rPr lang="en-US" sz="1200">
+              <a:rPr lang="en-US" sz="1200" dirty="0">
                 <a:solidFill>
                   <a:srgbClr val="000000"/>
                 </a:solidFill>
@@ -23300,7 +23445,7 @@
               <a:t>    </a:t>
             </a:r>
             <a:r>
-              <a:rPr lang="en-US" sz="1200" b="1">
+              <a:rPr lang="en-US" sz="1200" b="1" dirty="0">
                 <a:solidFill>
                   <a:srgbClr val="7F0055"/>
                 </a:solidFill>
@@ -23309,7 +23454,7 @@
               <a:t>static</a:t>
             </a:r>
             <a:r>
-              <a:rPr lang="en-US" sz="1200" b="1">
+              <a:rPr lang="en-US" sz="1200" b="1" dirty="0">
                 <a:solidFill>
                   <a:srgbClr val="000000"/>
                 </a:solidFill>
@@ -23320,7 +23465,7 @@
           </a:p>
           <a:p>
             <a:r>
-              <a:rPr lang="en-GB" sz="1200">
+              <a:rPr lang="en-GB" sz="1200" dirty="0">
                 <a:solidFill>
                   <a:srgbClr val="000000"/>
                 </a:solidFill>
@@ -23329,7 +23474,7 @@
               <a:t>        </a:t>
             </a:r>
             <a:r>
-              <a:rPr lang="en-GB" sz="1200">
+              <a:rPr lang="en-GB" sz="1200" dirty="0">
                 <a:solidFill>
                   <a:srgbClr val="3F7F5F"/>
                 </a:solidFill>
@@ -23340,7 +23485,7 @@
           </a:p>
           <a:p>
             <a:r>
-              <a:rPr lang="en-US" sz="1200">
+              <a:rPr lang="en-US" sz="1200" dirty="0">
                 <a:solidFill>
                   <a:srgbClr val="000000"/>
                 </a:solidFill>
@@ -23349,7 +23494,7 @@
               <a:t>        Configuration </a:t>
             </a:r>
             <a:r>
-              <a:rPr lang="en-US" sz="1200">
+              <a:rPr lang="en-US" sz="1200" dirty="0" err="1">
                 <a:solidFill>
                   <a:srgbClr val="6A3E3E"/>
                 </a:solidFill>
@@ -23358,7 +23503,7 @@
               <a:t>cfg</a:t>
             </a:r>
             <a:r>
-              <a:rPr lang="en-US" sz="1200">
+              <a:rPr lang="en-US" sz="1200" dirty="0">
                 <a:solidFill>
                   <a:srgbClr val="000000"/>
                 </a:solidFill>
@@ -23367,7 +23512,7 @@
               <a:t> = </a:t>
             </a:r>
             <a:r>
-              <a:rPr lang="en-US" sz="1200" b="1">
+              <a:rPr lang="en-US" sz="1200" b="1" dirty="0">
                 <a:solidFill>
                   <a:srgbClr val="7F0055"/>
                 </a:solidFill>
@@ -23376,7 +23521,7 @@
               <a:t>new</a:t>
             </a:r>
             <a:r>
-              <a:rPr lang="en-US" sz="1200" b="1">
+              <a:rPr lang="en-US" sz="1200" b="1" dirty="0">
                 <a:solidFill>
                   <a:srgbClr val="000000"/>
                 </a:solidFill>
@@ -23387,7 +23532,7 @@
           </a:p>
           <a:p>
             <a:r>
-              <a:rPr lang="en-US" sz="1200">
+              <a:rPr lang="en-US" sz="1200" dirty="0">
                 <a:solidFill>
                   <a:srgbClr val="000000"/>
                 </a:solidFill>
@@ -23396,7 +23541,7 @@
               <a:t>        </a:t>
             </a:r>
             <a:r>
-              <a:rPr lang="en-US" sz="1200">
+              <a:rPr lang="en-US" sz="1200" dirty="0" err="1">
                 <a:solidFill>
                   <a:srgbClr val="6A3E3E"/>
                 </a:solidFill>
@@ -23405,18 +23550,27 @@
               <a:t>cfg</a:t>
             </a:r>
             <a:r>
-              <a:rPr lang="en-US" sz="1200">
-                <a:solidFill>
-                  <a:srgbClr val="000000"/>
-                </a:solidFill>
-                <a:latin typeface="Consolas" panose="020B0609020204030204" pitchFamily="49" charset="0"/>
-              </a:rPr>
-              <a:t>.configure();</a:t>
-            </a:r>
-          </a:p>
-          <a:p>
-            <a:r>
-              <a:rPr lang="en-US" sz="1200">
+              <a:rPr lang="en-US" sz="1200" dirty="0" err="1">
+                <a:solidFill>
+                  <a:srgbClr val="000000"/>
+                </a:solidFill>
+                <a:latin typeface="Consolas" panose="020B0609020204030204" pitchFamily="49" charset="0"/>
+              </a:rPr>
+              <a:t>.configure</a:t>
+            </a:r>
+            <a:r>
+              <a:rPr lang="en-US" sz="1200" dirty="0">
+                <a:solidFill>
+                  <a:srgbClr val="000000"/>
+                </a:solidFill>
+                <a:latin typeface="Consolas" panose="020B0609020204030204" pitchFamily="49" charset="0"/>
+              </a:rPr>
+              <a:t>();</a:t>
+            </a:r>
+          </a:p>
+          <a:p>
+            <a:r>
+              <a:rPr lang="en-US" sz="1200" dirty="0">
                 <a:solidFill>
                   <a:srgbClr val="000000"/>
                 </a:solidFill>
@@ -23427,7 +23581,7 @@
           </a:p>
           <a:p>
             <a:r>
-              <a:rPr lang="en-GB" sz="1200">
+              <a:rPr lang="en-GB" sz="1200" dirty="0">
                 <a:solidFill>
                   <a:srgbClr val="000000"/>
                 </a:solidFill>
@@ -23436,18 +23590,36 @@
               <a:t>        </a:t>
             </a:r>
             <a:r>
-              <a:rPr lang="en-GB" sz="1200">
+              <a:rPr lang="en-GB" sz="1200" dirty="0">
                 <a:solidFill>
                   <a:srgbClr val="3F7F5F"/>
                 </a:solidFill>
                 <a:latin typeface="Consolas" panose="020B0609020204030204" pitchFamily="49" charset="0"/>
               </a:rPr>
-              <a:t>// Get the SessionFactory object from Configuration </a:t>
-            </a:r>
-          </a:p>
-          <a:p>
-            <a:r>
-              <a:rPr lang="en-US" sz="1200">
+              <a:t>// Get the </a:t>
+            </a:r>
+            <a:r>
+              <a:rPr lang="en-GB" sz="1200" dirty="0" err="1">
+                <a:solidFill>
+                  <a:srgbClr val="3F7F5F"/>
+                </a:solidFill>
+                <a:latin typeface="Consolas" panose="020B0609020204030204" pitchFamily="49" charset="0"/>
+              </a:rPr>
+              <a:t>SessionFactory</a:t>
+            </a:r>
+            <a:r>
+              <a:rPr lang="en-GB" sz="1200" dirty="0">
+                <a:solidFill>
+                  <a:srgbClr val="3F7F5F"/>
+                </a:solidFill>
+                <a:latin typeface="Consolas" panose="020B0609020204030204" pitchFamily="49" charset="0"/>
+              </a:rPr>
+              <a:t> object from Configuration </a:t>
+            </a:r>
+          </a:p>
+          <a:p>
+            <a:r>
+              <a:rPr lang="en-US" sz="1200" dirty="0">
                 <a:solidFill>
                   <a:srgbClr val="000000"/>
                 </a:solidFill>
@@ -23456,7 +23628,7 @@
               <a:t>        </a:t>
             </a:r>
             <a:r>
-              <a:rPr lang="en-US" sz="1200" b="1">
+              <a:rPr lang="en-US" sz="1200" b="1" dirty="0">
                 <a:solidFill>
                   <a:srgbClr val="7F0055"/>
                 </a:solidFill>
@@ -23465,7 +23637,7 @@
               <a:t>if</a:t>
             </a:r>
             <a:r>
-              <a:rPr lang="en-US" sz="1200" b="1">
+              <a:rPr lang="en-US" sz="1200" b="1" dirty="0">
                 <a:solidFill>
                   <a:srgbClr val="000000"/>
                 </a:solidFill>
@@ -23474,7 +23646,7 @@
               <a:t> (</a:t>
             </a:r>
             <a:r>
-              <a:rPr lang="en-US" sz="1200" b="1" i="1">
+              <a:rPr lang="en-US" sz="1200" b="1" i="1" dirty="0" err="1">
                 <a:solidFill>
                   <a:srgbClr val="0000C0"/>
                 </a:solidFill>
@@ -23483,7 +23655,7 @@
               <a:t>sessionFactory</a:t>
             </a:r>
             <a:r>
-              <a:rPr lang="en-US" sz="1200" b="1" i="1">
+              <a:rPr lang="en-US" sz="1200" b="1" i="1" dirty="0">
                 <a:solidFill>
                   <a:srgbClr val="000000"/>
                 </a:solidFill>
@@ -23492,7 +23664,7 @@
               <a:t> == </a:t>
             </a:r>
             <a:r>
-              <a:rPr lang="en-US" sz="1200" b="1" i="1">
+              <a:rPr lang="en-US" sz="1200" b="1" i="1" dirty="0">
                 <a:solidFill>
                   <a:srgbClr val="7F0055"/>
                 </a:solidFill>
@@ -23501,7 +23673,7 @@
               <a:t>null</a:t>
             </a:r>
             <a:r>
-              <a:rPr lang="en-US" sz="1200" b="1" i="1">
+              <a:rPr lang="en-US" sz="1200" b="1" i="1" dirty="0">
                 <a:solidFill>
                   <a:srgbClr val="000000"/>
                 </a:solidFill>
@@ -23512,7 +23684,7 @@
           </a:p>
           <a:p>
             <a:r>
-              <a:rPr lang="en-US" sz="1200">
+              <a:rPr lang="en-US" sz="1200" dirty="0">
                 <a:solidFill>
                   <a:srgbClr val="000000"/>
                 </a:solidFill>
@@ -23521,7 +23693,7 @@
               <a:t>            </a:t>
             </a:r>
             <a:r>
-              <a:rPr lang="en-US" sz="1200" i="1">
+              <a:rPr lang="en-US" sz="1200" i="1" dirty="0" err="1">
                 <a:solidFill>
                   <a:srgbClr val="0000C0"/>
                 </a:solidFill>
@@ -23530,7 +23702,7 @@
               <a:t>sessionFactory</a:t>
             </a:r>
             <a:r>
-              <a:rPr lang="en-US" sz="1200" i="1">
+              <a:rPr lang="en-US" sz="1200" i="1" dirty="0">
                 <a:solidFill>
                   <a:srgbClr val="000000"/>
                 </a:solidFill>
@@ -23539,7 +23711,7 @@
               <a:t> = </a:t>
             </a:r>
             <a:r>
-              <a:rPr lang="en-US" sz="1200" i="1">
+              <a:rPr lang="en-US" sz="1200" i="1" dirty="0" err="1">
                 <a:solidFill>
                   <a:srgbClr val="6A3E3E"/>
                 </a:solidFill>
@@ -23548,18 +23720,27 @@
               <a:t>cfg</a:t>
             </a:r>
             <a:r>
-              <a:rPr lang="en-US" sz="1200" i="1">
-                <a:solidFill>
-                  <a:srgbClr val="000000"/>
-                </a:solidFill>
-                <a:latin typeface="Consolas" panose="020B0609020204030204" pitchFamily="49" charset="0"/>
-              </a:rPr>
-              <a:t>.buildSessionFactory();</a:t>
-            </a:r>
-          </a:p>
-          <a:p>
-            <a:r>
-              <a:rPr lang="en-US" sz="1200">
+              <a:rPr lang="en-US" sz="1200" i="1" dirty="0" err="1">
+                <a:solidFill>
+                  <a:srgbClr val="000000"/>
+                </a:solidFill>
+                <a:latin typeface="Consolas" panose="020B0609020204030204" pitchFamily="49" charset="0"/>
+              </a:rPr>
+              <a:t>.buildSessionFactory</a:t>
+            </a:r>
+            <a:r>
+              <a:rPr lang="en-US" sz="1200" i="1" dirty="0">
+                <a:solidFill>
+                  <a:srgbClr val="000000"/>
+                </a:solidFill>
+                <a:latin typeface="Consolas" panose="020B0609020204030204" pitchFamily="49" charset="0"/>
+              </a:rPr>
+              <a:t>();</a:t>
+            </a:r>
+          </a:p>
+          <a:p>
+            <a:r>
+              <a:rPr lang="en-US" sz="1200" dirty="0">
                 <a:solidFill>
                   <a:srgbClr val="000000"/>
                 </a:solidFill>
@@ -23570,7 +23751,7 @@
           </a:p>
           <a:p>
             <a:r>
-              <a:rPr lang="en-US" sz="1200">
+              <a:rPr lang="en-US" sz="1200" dirty="0">
                 <a:solidFill>
                   <a:srgbClr val="000000"/>
                 </a:solidFill>
@@ -23581,7 +23762,7 @@
           </a:p>
           <a:p>
             <a:r>
-              <a:rPr lang="en-US" sz="1200">
+              <a:rPr lang="en-US" sz="1200" dirty="0">
                 <a:solidFill>
                   <a:srgbClr val="000000"/>
                 </a:solidFill>
@@ -23592,7 +23773,7 @@
           </a:p>
           <a:p>
             <a:r>
-              <a:rPr lang="en-US" sz="1200">
+              <a:rPr lang="en-US" sz="1200" dirty="0">
                 <a:solidFill>
                   <a:srgbClr val="000000"/>
                 </a:solidFill>
@@ -23603,7 +23784,7 @@
           </a:p>
           <a:p>
             <a:r>
-              <a:rPr lang="en-US" sz="1200">
+              <a:rPr lang="en-US" sz="1200" dirty="0">
                 <a:solidFill>
                   <a:srgbClr val="000000"/>
                 </a:solidFill>
@@ -23612,7 +23793,7 @@
               <a:t>    </a:t>
             </a:r>
             <a:r>
-              <a:rPr lang="en-US" sz="1200" b="1">
+              <a:rPr lang="en-US" sz="1200" b="1" dirty="0">
                 <a:solidFill>
                   <a:srgbClr val="7F0055"/>
                 </a:solidFill>
@@ -23621,7 +23802,7 @@
               <a:t>public</a:t>
             </a:r>
             <a:r>
-              <a:rPr lang="en-US" sz="1200" b="1">
+              <a:rPr lang="en-US" sz="1200" b="1" dirty="0">
                 <a:solidFill>
                   <a:srgbClr val="000000"/>
                 </a:solidFill>
@@ -23630,7 +23811,7 @@
               <a:t> </a:t>
             </a:r>
             <a:r>
-              <a:rPr lang="en-US" sz="1200" b="1">
+              <a:rPr lang="en-US" sz="1200" b="1" dirty="0">
                 <a:solidFill>
                   <a:srgbClr val="7F0055"/>
                 </a:solidFill>
@@ -23639,18 +23820,54 @@
               <a:t>static</a:t>
             </a:r>
             <a:r>
-              <a:rPr lang="en-US" sz="1200" b="1">
-                <a:solidFill>
-                  <a:srgbClr val="000000"/>
-                </a:solidFill>
-                <a:latin typeface="Consolas" panose="020B0609020204030204" pitchFamily="49" charset="0"/>
-              </a:rPr>
-              <a:t> SessionFactory getSessionFactory() {</a:t>
-            </a:r>
-          </a:p>
-          <a:p>
-            <a:r>
-              <a:rPr lang="en-US" sz="1200">
+              <a:rPr lang="en-US" sz="1200" b="1" dirty="0">
+                <a:solidFill>
+                  <a:srgbClr val="000000"/>
+                </a:solidFill>
+                <a:latin typeface="Consolas" panose="020B0609020204030204" pitchFamily="49" charset="0"/>
+              </a:rPr>
+              <a:t> </a:t>
+            </a:r>
+            <a:r>
+              <a:rPr lang="en-US" sz="1200" b="1" dirty="0" err="1">
+                <a:solidFill>
+                  <a:srgbClr val="000000"/>
+                </a:solidFill>
+                <a:latin typeface="Consolas" panose="020B0609020204030204" pitchFamily="49" charset="0"/>
+              </a:rPr>
+              <a:t>SessionFactory</a:t>
+            </a:r>
+            <a:r>
+              <a:rPr lang="en-US" sz="1200" b="1" dirty="0">
+                <a:solidFill>
+                  <a:srgbClr val="000000"/>
+                </a:solidFill>
+                <a:latin typeface="Consolas" panose="020B0609020204030204" pitchFamily="49" charset="0"/>
+              </a:rPr>
+              <a:t> </a:t>
+            </a:r>
+            <a:r>
+              <a:rPr lang="en-US" sz="1200" b="1" dirty="0" err="1">
+                <a:solidFill>
+                  <a:srgbClr val="000000"/>
+                </a:solidFill>
+                <a:latin typeface="Consolas" panose="020B0609020204030204" pitchFamily="49" charset="0"/>
+              </a:rPr>
+              <a:t>getSessionFactory</a:t>
+            </a:r>
+            <a:r>
+              <a:rPr lang="en-US" sz="1200" b="1" dirty="0">
+                <a:solidFill>
+                  <a:srgbClr val="000000"/>
+                </a:solidFill>
+                <a:latin typeface="Consolas" panose="020B0609020204030204" pitchFamily="49" charset="0"/>
+              </a:rPr>
+              <a:t>() {</a:t>
+            </a:r>
+          </a:p>
+          <a:p>
+            <a:r>
+              <a:rPr lang="en-US" sz="1200" dirty="0">
                 <a:solidFill>
                   <a:srgbClr val="000000"/>
                 </a:solidFill>
@@ -23659,7 +23876,7 @@
               <a:t>        </a:t>
             </a:r>
             <a:r>
-              <a:rPr lang="en-US" sz="1200" b="1">
+              <a:rPr lang="en-US" sz="1200" b="1" dirty="0">
                 <a:solidFill>
                   <a:srgbClr val="7F0055"/>
                 </a:solidFill>
@@ -23668,7 +23885,7 @@
               <a:t>return</a:t>
             </a:r>
             <a:r>
-              <a:rPr lang="en-US" sz="1200" b="1">
+              <a:rPr lang="en-US" sz="1200" b="1" dirty="0">
                 <a:solidFill>
                   <a:srgbClr val="000000"/>
                 </a:solidFill>
@@ -23677,7 +23894,7 @@
               <a:t> </a:t>
             </a:r>
             <a:r>
-              <a:rPr lang="en-US" sz="1200" b="1" i="1">
+              <a:rPr lang="en-US" sz="1200" b="1" i="1" dirty="0" err="1">
                 <a:solidFill>
                   <a:srgbClr val="0000C0"/>
                 </a:solidFill>
@@ -23686,7 +23903,7 @@
               <a:t>sessionFactory</a:t>
             </a:r>
             <a:r>
-              <a:rPr lang="en-US" sz="1200" b="1" i="1">
+              <a:rPr lang="en-US" sz="1200" b="1" i="1" dirty="0">
                 <a:solidFill>
                   <a:srgbClr val="000000"/>
                 </a:solidFill>
@@ -23697,7 +23914,7 @@
           </a:p>
           <a:p>
             <a:r>
-              <a:rPr lang="en-US" sz="1200">
+              <a:rPr lang="en-US" sz="1200" dirty="0">
                 <a:solidFill>
                   <a:srgbClr val="000000"/>
                 </a:solidFill>
@@ -23707,7 +23924,7 @@
             </a:r>
           </a:p>
           <a:p>
-            <a:endParaRPr lang="en-US" sz="1200">
+            <a:endParaRPr lang="en-US" sz="1200" dirty="0">
               <a:solidFill>
                 <a:srgbClr val="000000"/>
               </a:solidFill>
@@ -23716,7 +23933,7 @@
           </a:p>
           <a:p>
             <a:r>
-              <a:rPr lang="en-US" sz="1200">
+              <a:rPr lang="en-US" sz="1200" dirty="0">
                 <a:solidFill>
                   <a:srgbClr val="000000"/>
                 </a:solidFill>
@@ -23724,7 +23941,7 @@
               </a:rPr>
               <a:t>}</a:t>
             </a:r>
-            <a:endParaRPr lang="en-US" sz="1200"/>
+            <a:endParaRPr lang="en-US" sz="1200" dirty="0"/>
           </a:p>
         </p:txBody>
       </p:sp>
@@ -23852,7 +24069,7 @@
           <a:lstStyle/>
           <a:p>
             <a:r>
-              <a:rPr lang="en-GB" sz="1050" b="1">
+              <a:rPr lang="en-GB" sz="1050" b="1" dirty="0">
                 <a:solidFill>
                   <a:srgbClr val="7F0055"/>
                 </a:solidFill>
@@ -23861,7 +24078,7 @@
               <a:t>public</a:t>
             </a:r>
             <a:r>
-              <a:rPr lang="en-GB" sz="1050" b="1">
+              <a:rPr lang="en-GB" sz="1050" b="1" dirty="0">
                 <a:solidFill>
                   <a:srgbClr val="000000"/>
                 </a:solidFill>
@@ -23870,7 +24087,7 @@
               <a:t> </a:t>
             </a:r>
             <a:r>
-              <a:rPr lang="en-GB" sz="1050" b="1">
+              <a:rPr lang="en-GB" sz="1050" b="1" dirty="0">
                 <a:solidFill>
                   <a:srgbClr val="7F0055"/>
                 </a:solidFill>
@@ -23879,16 +24096,34 @@
               <a:t>class</a:t>
             </a:r>
             <a:r>
-              <a:rPr lang="en-GB" sz="1050" b="1">
-                <a:solidFill>
-                  <a:srgbClr val="000000"/>
-                </a:solidFill>
-                <a:latin typeface="Consolas" panose="020B0609020204030204" pitchFamily="49" charset="0"/>
-              </a:rPr>
-              <a:t> JobDaoImpl </a:t>
-            </a:r>
-            <a:r>
-              <a:rPr lang="en-GB" sz="1050" b="1">
+              <a:rPr lang="en-GB" sz="1050" b="1" dirty="0">
+                <a:solidFill>
+                  <a:srgbClr val="000000"/>
+                </a:solidFill>
+                <a:latin typeface="Consolas" panose="020B0609020204030204" pitchFamily="49" charset="0"/>
+              </a:rPr>
+              <a:t> </a:t>
+            </a:r>
+            <a:r>
+              <a:rPr lang="en-GB" sz="1050" b="1" dirty="0" err="1">
+                <a:solidFill>
+                  <a:srgbClr val="000000"/>
+                </a:solidFill>
+                <a:latin typeface="Consolas" panose="020B0609020204030204" pitchFamily="49" charset="0"/>
+              </a:rPr>
+              <a:t>JobDaoImpl</a:t>
+            </a:r>
+            <a:r>
+              <a:rPr lang="en-GB" sz="1050" b="1" dirty="0">
+                <a:solidFill>
+                  <a:srgbClr val="000000"/>
+                </a:solidFill>
+                <a:latin typeface="Consolas" panose="020B0609020204030204" pitchFamily="49" charset="0"/>
+              </a:rPr>
+              <a:t> </a:t>
+            </a:r>
+            <a:r>
+              <a:rPr lang="en-GB" sz="1050" b="1" dirty="0">
                 <a:solidFill>
                   <a:srgbClr val="7F0055"/>
                 </a:solidFill>
@@ -23897,18 +24132,36 @@
               <a:t>implements</a:t>
             </a:r>
             <a:r>
-              <a:rPr lang="en-GB" sz="1050" b="1">
-                <a:solidFill>
-                  <a:srgbClr val="000000"/>
-                </a:solidFill>
-                <a:latin typeface="Consolas" panose="020B0609020204030204" pitchFamily="49" charset="0"/>
-              </a:rPr>
-              <a:t> JobDao {</a:t>
-            </a:r>
-          </a:p>
-          <a:p>
-            <a:r>
-              <a:rPr lang="en-US" sz="1050">
+              <a:rPr lang="en-GB" sz="1050" b="1" dirty="0">
+                <a:solidFill>
+                  <a:srgbClr val="000000"/>
+                </a:solidFill>
+                <a:latin typeface="Consolas" panose="020B0609020204030204" pitchFamily="49" charset="0"/>
+              </a:rPr>
+              <a:t> </a:t>
+            </a:r>
+            <a:r>
+              <a:rPr lang="en-GB" sz="1050" b="1" dirty="0" err="1">
+                <a:solidFill>
+                  <a:srgbClr val="000000"/>
+                </a:solidFill>
+                <a:latin typeface="Consolas" panose="020B0609020204030204" pitchFamily="49" charset="0"/>
+              </a:rPr>
+              <a:t>JobDao</a:t>
+            </a:r>
+            <a:r>
+              <a:rPr lang="en-GB" sz="1050" b="1" dirty="0">
+                <a:solidFill>
+                  <a:srgbClr val="000000"/>
+                </a:solidFill>
+                <a:latin typeface="Consolas" panose="020B0609020204030204" pitchFamily="49" charset="0"/>
+              </a:rPr>
+              <a:t> {</a:t>
+            </a:r>
+          </a:p>
+          <a:p>
+            <a:r>
+              <a:rPr lang="en-US" sz="1050" dirty="0">
                 <a:solidFill>
                   <a:srgbClr val="000000"/>
                 </a:solidFill>
@@ -23919,7 +24172,7 @@
           </a:p>
           <a:p>
             <a:r>
-              <a:rPr lang="en-US" sz="1050">
+              <a:rPr lang="en-US" sz="1050" dirty="0">
                 <a:solidFill>
                   <a:srgbClr val="000000"/>
                 </a:solidFill>
@@ -23928,7 +24181,7 @@
               <a:t>    </a:t>
             </a:r>
             <a:r>
-              <a:rPr lang="en-US" sz="1050">
+              <a:rPr lang="en-US" sz="1050" dirty="0">
                 <a:solidFill>
                   <a:srgbClr val="646464"/>
                 </a:solidFill>
@@ -23939,7 +24192,7 @@
           </a:p>
           <a:p>
             <a:r>
-              <a:rPr lang="en-US" sz="1050">
+              <a:rPr lang="en-US" sz="1050" dirty="0">
                 <a:solidFill>
                   <a:srgbClr val="000000"/>
                 </a:solidFill>
@@ -23948,7 +24201,7 @@
               <a:t>    </a:t>
             </a:r>
             <a:r>
-              <a:rPr lang="en-US" sz="1050" b="1">
+              <a:rPr lang="en-US" sz="1050" b="1" dirty="0">
                 <a:solidFill>
                   <a:srgbClr val="7F0055"/>
                 </a:solidFill>
@@ -23957,7 +24210,7 @@
               <a:t>public</a:t>
             </a:r>
             <a:r>
-              <a:rPr lang="en-US" sz="1050" b="1">
+              <a:rPr lang="en-US" sz="1050" b="1" dirty="0">
                 <a:solidFill>
                   <a:srgbClr val="000000"/>
                 </a:solidFill>
@@ -23966,7 +24219,7 @@
               <a:t> </a:t>
             </a:r>
             <a:r>
-              <a:rPr lang="en-US" sz="1050" b="1">
+              <a:rPr lang="en-US" sz="1050" b="1" dirty="0" err="1">
                 <a:solidFill>
                   <a:srgbClr val="7F0055"/>
                 </a:solidFill>
@@ -23975,7 +24228,7 @@
               <a:t>boolean</a:t>
             </a:r>
             <a:r>
-              <a:rPr lang="en-US" sz="1050" b="1">
+              <a:rPr lang="en-US" sz="1050" b="1" dirty="0">
                 <a:solidFill>
                   <a:srgbClr val="000000"/>
                 </a:solidFill>
@@ -23984,7 +24237,7 @@
               <a:t> save(Jobs </a:t>
             </a:r>
             <a:r>
-              <a:rPr lang="en-US" sz="1050" b="1">
+              <a:rPr lang="en-US" sz="1050" b="1" dirty="0">
                 <a:solidFill>
                   <a:srgbClr val="6A3E3E"/>
                 </a:solidFill>
@@ -23993,7 +24246,7 @@
               <a:t>job</a:t>
             </a:r>
             <a:r>
-              <a:rPr lang="en-US" sz="1050" b="1">
+              <a:rPr lang="en-US" sz="1050" b="1" dirty="0">
                 <a:solidFill>
                   <a:srgbClr val="000000"/>
                 </a:solidFill>
@@ -24002,7 +24255,7 @@
               <a:t>) </a:t>
             </a:r>
             <a:r>
-              <a:rPr lang="en-US" sz="1050" b="1">
+              <a:rPr lang="en-US" sz="1050" b="1" dirty="0">
                 <a:solidFill>
                   <a:srgbClr val="7F0055"/>
                 </a:solidFill>
@@ -24014,7 +24267,7 @@
               <a:t>throws</a:t>
             </a:r>
             <a:r>
-              <a:rPr lang="en-US" sz="1050" b="1">
+              <a:rPr lang="en-US" sz="1050" b="1" dirty="0">
                 <a:solidFill>
                   <a:srgbClr val="000000"/>
                 </a:solidFill>
@@ -24026,7 +24279,7 @@
               <a:t> Exception</a:t>
             </a:r>
             <a:r>
-              <a:rPr lang="en-US" sz="1050" b="1">
+              <a:rPr lang="en-US" sz="1050" b="1" dirty="0">
                 <a:solidFill>
                   <a:srgbClr val="000000"/>
                 </a:solidFill>
@@ -24037,7 +24290,7 @@
           </a:p>
           <a:p>
             <a:r>
-              <a:rPr lang="en-US" sz="1050">
+              <a:rPr lang="en-US" sz="1050" dirty="0">
                 <a:solidFill>
                   <a:srgbClr val="000000"/>
                 </a:solidFill>
@@ -24046,7 +24299,7 @@
               <a:t>        Session </a:t>
             </a:r>
             <a:r>
-              <a:rPr lang="en-US" sz="1050">
+              <a:rPr lang="en-US" sz="1050" dirty="0" err="1">
                 <a:solidFill>
                   <a:srgbClr val="6A3E3E"/>
                 </a:solidFill>
@@ -24055,7 +24308,7 @@
               <a:t>session</a:t>
             </a:r>
             <a:r>
-              <a:rPr lang="en-US" sz="1050">
+              <a:rPr lang="en-US" sz="1050" dirty="0">
                 <a:solidFill>
                   <a:srgbClr val="000000"/>
                 </a:solidFill>
@@ -24064,7 +24317,7 @@
               <a:t> = </a:t>
             </a:r>
             <a:r>
-              <a:rPr lang="en-US" sz="1050" b="1">
+              <a:rPr lang="en-US" sz="1050" b="1" dirty="0">
                 <a:solidFill>
                   <a:srgbClr val="7F0055"/>
                 </a:solidFill>
@@ -24073,7 +24326,7 @@
               <a:t>null</a:t>
             </a:r>
             <a:r>
-              <a:rPr lang="en-US" sz="1050" b="1">
+              <a:rPr lang="en-US" sz="1050" b="1" dirty="0">
                 <a:solidFill>
                   <a:srgbClr val="000000"/>
                 </a:solidFill>
@@ -24084,7 +24337,7 @@
           </a:p>
           <a:p>
             <a:r>
-              <a:rPr lang="en-US" sz="1050">
+              <a:rPr lang="en-US" sz="1050" dirty="0">
                 <a:solidFill>
                   <a:srgbClr val="000000"/>
                 </a:solidFill>
@@ -24093,7 +24346,7 @@
               <a:t>        Transaction </a:t>
             </a:r>
             <a:r>
-              <a:rPr lang="en-US" sz="1050">
+              <a:rPr lang="en-US" sz="1050" dirty="0" err="1">
                 <a:solidFill>
                   <a:srgbClr val="6A3E3E"/>
                 </a:solidFill>
@@ -24102,7 +24355,7 @@
               <a:t>transaction</a:t>
             </a:r>
             <a:r>
-              <a:rPr lang="en-US" sz="1050">
+              <a:rPr lang="en-US" sz="1050" dirty="0">
                 <a:solidFill>
                   <a:srgbClr val="000000"/>
                 </a:solidFill>
@@ -24111,7 +24364,7 @@
               <a:t> = </a:t>
             </a:r>
             <a:r>
-              <a:rPr lang="en-US" sz="1050" b="1">
+              <a:rPr lang="en-US" sz="1050" b="1" dirty="0">
                 <a:solidFill>
                   <a:srgbClr val="7F0055"/>
                 </a:solidFill>
@@ -24120,7 +24373,7 @@
               <a:t>null</a:t>
             </a:r>
             <a:r>
-              <a:rPr lang="en-US" sz="1050" b="1">
+              <a:rPr lang="en-US" sz="1050" b="1" dirty="0">
                 <a:solidFill>
                   <a:srgbClr val="000000"/>
                 </a:solidFill>
@@ -24131,7 +24384,7 @@
           </a:p>
           <a:p>
             <a:r>
-              <a:rPr lang="en-US" sz="1050">
+              <a:rPr lang="en-US" sz="1050" dirty="0">
                 <a:solidFill>
                   <a:srgbClr val="000000"/>
                 </a:solidFill>
@@ -24142,7 +24395,7 @@
           </a:p>
           <a:p>
             <a:r>
-              <a:rPr lang="en-US" sz="1050">
+              <a:rPr lang="en-US" sz="1050" dirty="0">
                 <a:solidFill>
                   <a:srgbClr val="000000"/>
                 </a:solidFill>
@@ -24151,7 +24404,7 @@
               <a:t>        </a:t>
             </a:r>
             <a:r>
-              <a:rPr lang="en-US" sz="1050" b="1">
+              <a:rPr lang="en-US" sz="1050" b="1" dirty="0">
                 <a:solidFill>
                   <a:srgbClr val="7F0055"/>
                 </a:solidFill>
@@ -24160,7 +24413,7 @@
               <a:t>try</a:t>
             </a:r>
             <a:r>
-              <a:rPr lang="en-US" sz="1050" b="1">
+              <a:rPr lang="en-US" sz="1050" b="1" dirty="0">
                 <a:solidFill>
                   <a:srgbClr val="000000"/>
                 </a:solidFill>
@@ -24171,7 +24424,7 @@
           </a:p>
           <a:p>
             <a:r>
-              <a:rPr lang="en-US" sz="1050">
+              <a:rPr lang="en-US" sz="1050" dirty="0">
                 <a:solidFill>
                   <a:srgbClr val="000000"/>
                 </a:solidFill>
@@ -24180,7 +24433,7 @@
               <a:t>            </a:t>
             </a:r>
             <a:r>
-              <a:rPr lang="en-US" sz="1050">
+              <a:rPr lang="en-US" sz="1050" dirty="0">
                 <a:solidFill>
                   <a:srgbClr val="6A3E3E"/>
                 </a:solidFill>
@@ -24189,27 +24442,63 @@
               <a:t>session</a:t>
             </a:r>
             <a:r>
-              <a:rPr lang="en-US" sz="1050">
-                <a:solidFill>
-                  <a:srgbClr val="000000"/>
-                </a:solidFill>
-                <a:latin typeface="Consolas" panose="020B0609020204030204" pitchFamily="49" charset="0"/>
-              </a:rPr>
-              <a:t> = HibernateUtils.</a:t>
-            </a:r>
-            <a:r>
-              <a:rPr lang="en-US" sz="1050" i="1">
-                <a:solidFill>
-                  <a:srgbClr val="000000"/>
-                </a:solidFill>
-                <a:latin typeface="Consolas" panose="020B0609020204030204" pitchFamily="49" charset="0"/>
-              </a:rPr>
-              <a:t>getSessionFactory().openSession();</a:t>
-            </a:r>
-          </a:p>
-          <a:p>
-            <a:r>
-              <a:rPr lang="en-US" sz="1050">
+              <a:rPr lang="en-US" sz="1050" dirty="0">
+                <a:solidFill>
+                  <a:srgbClr val="000000"/>
+                </a:solidFill>
+                <a:latin typeface="Consolas" panose="020B0609020204030204" pitchFamily="49" charset="0"/>
+              </a:rPr>
+              <a:t> = </a:t>
+            </a:r>
+            <a:r>
+              <a:rPr lang="en-US" sz="1050" dirty="0" err="1">
+                <a:solidFill>
+                  <a:srgbClr val="000000"/>
+                </a:solidFill>
+                <a:latin typeface="Consolas" panose="020B0609020204030204" pitchFamily="49" charset="0"/>
+              </a:rPr>
+              <a:t>HibernateUtils.</a:t>
+            </a:r>
+            <a:r>
+              <a:rPr lang="en-US" sz="1050" i="1" dirty="0" err="1">
+                <a:solidFill>
+                  <a:srgbClr val="000000"/>
+                </a:solidFill>
+                <a:latin typeface="Consolas" panose="020B0609020204030204" pitchFamily="49" charset="0"/>
+              </a:rPr>
+              <a:t>getSessionFactory</a:t>
+            </a:r>
+            <a:r>
+              <a:rPr lang="en-US" sz="1050" i="1" dirty="0">
+                <a:solidFill>
+                  <a:srgbClr val="000000"/>
+                </a:solidFill>
+                <a:latin typeface="Consolas" panose="020B0609020204030204" pitchFamily="49" charset="0"/>
+              </a:rPr>
+              <a:t>().</a:t>
+            </a:r>
+            <a:r>
+              <a:rPr lang="en-US" sz="1050" i="1" dirty="0" err="1">
+                <a:solidFill>
+                  <a:srgbClr val="000000"/>
+                </a:solidFill>
+                <a:latin typeface="Consolas" panose="020B0609020204030204" pitchFamily="49" charset="0"/>
+              </a:rPr>
+              <a:t>openSession</a:t>
+            </a:r>
+            <a:r>
+              <a:rPr lang="en-US" sz="1050" i="1" dirty="0">
+                <a:solidFill>
+                  <a:srgbClr val="000000"/>
+                </a:solidFill>
+                <a:latin typeface="Consolas" panose="020B0609020204030204" pitchFamily="49" charset="0"/>
+              </a:rPr>
+              <a:t>();</a:t>
+            </a:r>
+          </a:p>
+          <a:p>
+            <a:r>
+              <a:rPr lang="en-US" sz="1050" dirty="0">
                 <a:solidFill>
                   <a:srgbClr val="000000"/>
                 </a:solidFill>
@@ -24218,7 +24507,7 @@
               <a:t>            </a:t>
             </a:r>
             <a:r>
-              <a:rPr lang="en-US" sz="1050">
+              <a:rPr lang="en-US" sz="1050" dirty="0">
                 <a:solidFill>
                   <a:srgbClr val="6A3E3E"/>
                 </a:solidFill>
@@ -24227,7 +24516,7 @@
               <a:t>transaction</a:t>
             </a:r>
             <a:r>
-              <a:rPr lang="en-US" sz="1050">
+              <a:rPr lang="en-US" sz="1050" dirty="0">
                 <a:solidFill>
                   <a:srgbClr val="000000"/>
                 </a:solidFill>
@@ -24236,7 +24525,7 @@
               <a:t> = </a:t>
             </a:r>
             <a:r>
-              <a:rPr lang="en-US" sz="1050">
+              <a:rPr lang="en-US" sz="1050" dirty="0" err="1">
                 <a:solidFill>
                   <a:srgbClr val="6A3E3E"/>
                 </a:solidFill>
@@ -24245,18 +24534,27 @@
               <a:t>session</a:t>
             </a:r>
             <a:r>
-              <a:rPr lang="en-US" sz="1050">
-                <a:solidFill>
-                  <a:srgbClr val="000000"/>
-                </a:solidFill>
-                <a:latin typeface="Consolas" panose="020B0609020204030204" pitchFamily="49" charset="0"/>
-              </a:rPr>
-              <a:t>.beginTransaction();</a:t>
-            </a:r>
-          </a:p>
-          <a:p>
-            <a:r>
-              <a:rPr lang="en-US" sz="1050">
+              <a:rPr lang="en-US" sz="1050" dirty="0" err="1">
+                <a:solidFill>
+                  <a:srgbClr val="000000"/>
+                </a:solidFill>
+                <a:latin typeface="Consolas" panose="020B0609020204030204" pitchFamily="49" charset="0"/>
+              </a:rPr>
+              <a:t>.beginTransaction</a:t>
+            </a:r>
+            <a:r>
+              <a:rPr lang="en-US" sz="1050" dirty="0">
+                <a:solidFill>
+                  <a:srgbClr val="000000"/>
+                </a:solidFill>
+                <a:latin typeface="Consolas" panose="020B0609020204030204" pitchFamily="49" charset="0"/>
+              </a:rPr>
+              <a:t>();</a:t>
+            </a:r>
+          </a:p>
+          <a:p>
+            <a:r>
+              <a:rPr lang="en-US" sz="1050" dirty="0">
                 <a:solidFill>
                   <a:srgbClr val="000000"/>
                 </a:solidFill>
@@ -24267,7 +24565,7 @@
           </a:p>
           <a:p>
             <a:r>
-              <a:rPr lang="en-US" sz="1050">
+              <a:rPr lang="en-US" sz="1050" dirty="0">
                 <a:solidFill>
                   <a:srgbClr val="000000"/>
                 </a:solidFill>
@@ -24276,7 +24574,7 @@
               <a:t>            Serializable </a:t>
             </a:r>
             <a:r>
-              <a:rPr lang="en-US" sz="1050">
+              <a:rPr lang="en-US" sz="1050" dirty="0">
                 <a:solidFill>
                   <a:srgbClr val="6A3E3E"/>
                 </a:solidFill>
@@ -24285,7 +24583,7 @@
               <a:t>result</a:t>
             </a:r>
             <a:r>
-              <a:rPr lang="en-US" sz="1050">
+              <a:rPr lang="en-US" sz="1050" dirty="0">
                 <a:solidFill>
                   <a:srgbClr val="000000"/>
                 </a:solidFill>
@@ -24294,7 +24592,7 @@
               <a:t> = </a:t>
             </a:r>
             <a:r>
-              <a:rPr lang="en-US" sz="1050">
+              <a:rPr lang="en-US" sz="1050" dirty="0" err="1">
                 <a:solidFill>
                   <a:srgbClr val="6A3E3E"/>
                 </a:solidFill>
@@ -24303,16 +24601,25 @@
               <a:t>session</a:t>
             </a:r>
             <a:r>
-              <a:rPr lang="en-US" sz="1050">
-                <a:solidFill>
-                  <a:srgbClr val="000000"/>
-                </a:solidFill>
-                <a:latin typeface="Consolas" panose="020B0609020204030204" pitchFamily="49" charset="0"/>
-              </a:rPr>
-              <a:t>.save(</a:t>
-            </a:r>
-            <a:r>
-              <a:rPr lang="en-US" sz="1050">
+              <a:rPr lang="en-US" sz="1050" dirty="0" err="1">
+                <a:solidFill>
+                  <a:srgbClr val="000000"/>
+                </a:solidFill>
+                <a:latin typeface="Consolas" panose="020B0609020204030204" pitchFamily="49" charset="0"/>
+              </a:rPr>
+              <a:t>.save</a:t>
+            </a:r>
+            <a:r>
+              <a:rPr lang="en-US" sz="1050" dirty="0">
+                <a:solidFill>
+                  <a:srgbClr val="000000"/>
+                </a:solidFill>
+                <a:latin typeface="Consolas" panose="020B0609020204030204" pitchFamily="49" charset="0"/>
+              </a:rPr>
+              <a:t>(</a:t>
+            </a:r>
+            <a:r>
+              <a:rPr lang="en-US" sz="1050" dirty="0">
                 <a:solidFill>
                   <a:srgbClr val="6A3E3E"/>
                 </a:solidFill>
@@ -24321,7 +24628,7 @@
               <a:t>job</a:t>
             </a:r>
             <a:r>
-              <a:rPr lang="en-US" sz="1050">
+              <a:rPr lang="en-US" sz="1050" dirty="0">
                 <a:solidFill>
                   <a:srgbClr val="000000"/>
                 </a:solidFill>
@@ -24332,7 +24639,7 @@
           </a:p>
           <a:p>
             <a:r>
-              <a:rPr lang="en-US" sz="1050">
+              <a:rPr lang="en-US" sz="1050" dirty="0">
                 <a:solidFill>
                   <a:srgbClr val="000000"/>
                 </a:solidFill>
@@ -24343,7 +24650,7 @@
           </a:p>
           <a:p>
             <a:r>
-              <a:rPr lang="en-US" sz="1050">
+              <a:rPr lang="en-US" sz="1050" dirty="0">
                 <a:solidFill>
                   <a:srgbClr val="000000"/>
                 </a:solidFill>
@@ -24352,7 +24659,7 @@
               <a:t>            </a:t>
             </a:r>
             <a:r>
-              <a:rPr lang="en-US" sz="1050">
+              <a:rPr lang="en-US" sz="1050" dirty="0" err="1">
                 <a:solidFill>
                   <a:srgbClr val="6A3E3E"/>
                 </a:solidFill>
@@ -24361,18 +24668,27 @@
               <a:t>transaction</a:t>
             </a:r>
             <a:r>
-              <a:rPr lang="en-US" sz="1050">
-                <a:solidFill>
-                  <a:srgbClr val="000000"/>
-                </a:solidFill>
-                <a:latin typeface="Consolas" panose="020B0609020204030204" pitchFamily="49" charset="0"/>
-              </a:rPr>
-              <a:t>.commit();</a:t>
-            </a:r>
-          </a:p>
-          <a:p>
-            <a:r>
-              <a:rPr lang="en-US" sz="1050">
+              <a:rPr lang="en-US" sz="1050" dirty="0" err="1">
+                <a:solidFill>
+                  <a:srgbClr val="000000"/>
+                </a:solidFill>
+                <a:latin typeface="Consolas" panose="020B0609020204030204" pitchFamily="49" charset="0"/>
+              </a:rPr>
+              <a:t>.commit</a:t>
+            </a:r>
+            <a:r>
+              <a:rPr lang="en-US" sz="1050" dirty="0">
+                <a:solidFill>
+                  <a:srgbClr val="000000"/>
+                </a:solidFill>
+                <a:latin typeface="Consolas" panose="020B0609020204030204" pitchFamily="49" charset="0"/>
+              </a:rPr>
+              <a:t>();</a:t>
+            </a:r>
+          </a:p>
+          <a:p>
+            <a:r>
+              <a:rPr lang="en-US" sz="1050" dirty="0">
                 <a:solidFill>
                   <a:srgbClr val="000000"/>
                 </a:solidFill>
@@ -24383,7 +24699,7 @@
           </a:p>
           <a:p>
             <a:r>
-              <a:rPr lang="en-US" sz="1050">
+              <a:rPr lang="en-US" sz="1050" dirty="0">
                 <a:solidFill>
                   <a:srgbClr val="000000"/>
                 </a:solidFill>
@@ -24392,7 +24708,7 @@
               <a:t>            </a:t>
             </a:r>
             <a:r>
-              <a:rPr lang="en-US" sz="1050" b="1">
+              <a:rPr lang="en-US" sz="1050" b="1" dirty="0">
                 <a:solidFill>
                   <a:srgbClr val="7F0055"/>
                 </a:solidFill>
@@ -24401,7 +24717,7 @@
               <a:t>return</a:t>
             </a:r>
             <a:r>
-              <a:rPr lang="en-US" sz="1050" b="1">
+              <a:rPr lang="en-US" sz="1050" b="1" dirty="0">
                 <a:solidFill>
                   <a:srgbClr val="000000"/>
                 </a:solidFill>
@@ -24410,7 +24726,7 @@
               <a:t> (</a:t>
             </a:r>
             <a:r>
-              <a:rPr lang="en-US" sz="1050" b="1">
+              <a:rPr lang="en-US" sz="1050" b="1" dirty="0">
                 <a:solidFill>
                   <a:srgbClr val="6A3E3E"/>
                 </a:solidFill>
@@ -24419,7 +24735,7 @@
               <a:t>result</a:t>
             </a:r>
             <a:r>
-              <a:rPr lang="en-US" sz="1050" b="1">
+              <a:rPr lang="en-US" sz="1050" b="1" dirty="0">
                 <a:solidFill>
                   <a:srgbClr val="000000"/>
                 </a:solidFill>
@@ -24428,7 +24744,7 @@
               <a:t> != </a:t>
             </a:r>
             <a:r>
-              <a:rPr lang="en-US" sz="1050" b="1">
+              <a:rPr lang="en-US" sz="1050" b="1" dirty="0">
                 <a:solidFill>
                   <a:srgbClr val="7F0055"/>
                 </a:solidFill>
@@ -24437,7 +24753,7 @@
               <a:t>null</a:t>
             </a:r>
             <a:r>
-              <a:rPr lang="en-US" sz="1050" b="1">
+              <a:rPr lang="en-US" sz="1050" b="1" dirty="0">
                 <a:solidFill>
                   <a:srgbClr val="000000"/>
                 </a:solidFill>
@@ -24448,7 +24764,7 @@
           </a:p>
           <a:p>
             <a:r>
-              <a:rPr lang="en-US" sz="1050">
+              <a:rPr lang="en-US" sz="1050" dirty="0">
                 <a:solidFill>
                   <a:srgbClr val="000000"/>
                 </a:solidFill>
@@ -24459,7 +24775,7 @@
           </a:p>
           <a:p>
             <a:r>
-              <a:rPr lang="en-US" sz="1050">
+              <a:rPr lang="en-US" sz="1050" dirty="0">
                 <a:solidFill>
                   <a:srgbClr val="000000"/>
                 </a:solidFill>
@@ -24468,7 +24784,7 @@
               <a:t>        } </a:t>
             </a:r>
             <a:r>
-              <a:rPr lang="en-US" sz="1050" b="1">
+              <a:rPr lang="en-US" sz="1050" b="1" dirty="0">
                 <a:solidFill>
                   <a:srgbClr val="7F0055"/>
                 </a:solidFill>
@@ -24477,7 +24793,7 @@
               <a:t>finally</a:t>
             </a:r>
             <a:r>
-              <a:rPr lang="en-US" sz="1050" b="1">
+              <a:rPr lang="en-US" sz="1050" b="1" dirty="0">
                 <a:solidFill>
                   <a:srgbClr val="000000"/>
                 </a:solidFill>
@@ -24488,7 +24804,7 @@
           </a:p>
           <a:p>
             <a:r>
-              <a:rPr lang="en-US" sz="1050">
+              <a:rPr lang="en-US" sz="1050" dirty="0">
                 <a:solidFill>
                   <a:srgbClr val="000000"/>
                 </a:solidFill>
@@ -24497,7 +24813,7 @@
               <a:t>            </a:t>
             </a:r>
             <a:r>
-              <a:rPr lang="en-US" sz="1050" b="1">
+              <a:rPr lang="en-US" sz="1050" b="1" dirty="0">
                 <a:solidFill>
                   <a:srgbClr val="7F0055"/>
                 </a:solidFill>
@@ -24506,7 +24822,7 @@
               <a:t>if</a:t>
             </a:r>
             <a:r>
-              <a:rPr lang="en-US" sz="1050" b="1">
+              <a:rPr lang="en-US" sz="1050" b="1" dirty="0">
                 <a:solidFill>
                   <a:srgbClr val="000000"/>
                 </a:solidFill>
@@ -24515,7 +24831,7 @@
               <a:t> (</a:t>
             </a:r>
             <a:r>
-              <a:rPr lang="en-US" sz="1050" b="1">
+              <a:rPr lang="en-US" sz="1050" b="1" dirty="0">
                 <a:solidFill>
                   <a:srgbClr val="6A3E3E"/>
                 </a:solidFill>
@@ -24524,7 +24840,7 @@
               <a:t>session</a:t>
             </a:r>
             <a:r>
-              <a:rPr lang="en-US" sz="1050" b="1">
+              <a:rPr lang="en-US" sz="1050" b="1" dirty="0">
                 <a:solidFill>
                   <a:srgbClr val="000000"/>
                 </a:solidFill>
@@ -24533,7 +24849,7 @@
               <a:t> != </a:t>
             </a:r>
             <a:r>
-              <a:rPr lang="en-US" sz="1050" b="1">
+              <a:rPr lang="en-US" sz="1050" b="1" dirty="0">
                 <a:solidFill>
                   <a:srgbClr val="7F0055"/>
                 </a:solidFill>
@@ -24542,7 +24858,7 @@
               <a:t>null</a:t>
             </a:r>
             <a:r>
-              <a:rPr lang="en-US" sz="1050" b="1">
+              <a:rPr lang="en-US" sz="1050" b="1" dirty="0">
                 <a:solidFill>
                   <a:srgbClr val="000000"/>
                 </a:solidFill>
@@ -24553,7 +24869,7 @@
           </a:p>
           <a:p>
             <a:r>
-              <a:rPr lang="en-US" sz="1050">
+              <a:rPr lang="en-US" sz="1050" dirty="0">
                 <a:solidFill>
                   <a:srgbClr val="000000"/>
                 </a:solidFill>
@@ -24562,7 +24878,7 @@
               <a:t>                </a:t>
             </a:r>
             <a:r>
-              <a:rPr lang="en-US" sz="1050">
+              <a:rPr lang="en-US" sz="1050" dirty="0" err="1">
                 <a:solidFill>
                   <a:srgbClr val="6A3E3E"/>
                 </a:solidFill>
@@ -24571,18 +24887,27 @@
               <a:t>session</a:t>
             </a:r>
             <a:r>
-              <a:rPr lang="en-US" sz="1050">
-                <a:solidFill>
-                  <a:srgbClr val="000000"/>
-                </a:solidFill>
-                <a:latin typeface="Consolas" panose="020B0609020204030204" pitchFamily="49" charset="0"/>
-              </a:rPr>
-              <a:t>.close();</a:t>
-            </a:r>
-          </a:p>
-          <a:p>
-            <a:r>
-              <a:rPr lang="en-US" sz="1050">
+              <a:rPr lang="en-US" sz="1050" dirty="0" err="1">
+                <a:solidFill>
+                  <a:srgbClr val="000000"/>
+                </a:solidFill>
+                <a:latin typeface="Consolas" panose="020B0609020204030204" pitchFamily="49" charset="0"/>
+              </a:rPr>
+              <a:t>.close</a:t>
+            </a:r>
+            <a:r>
+              <a:rPr lang="en-US" sz="1050" dirty="0">
+                <a:solidFill>
+                  <a:srgbClr val="000000"/>
+                </a:solidFill>
+                <a:latin typeface="Consolas" panose="020B0609020204030204" pitchFamily="49" charset="0"/>
+              </a:rPr>
+              <a:t>();</a:t>
+            </a:r>
+          </a:p>
+          <a:p>
+            <a:r>
+              <a:rPr lang="en-US" sz="1050" dirty="0">
                 <a:solidFill>
                   <a:srgbClr val="000000"/>
                 </a:solidFill>
@@ -24593,7 +24918,7 @@
           </a:p>
           <a:p>
             <a:r>
-              <a:rPr lang="en-US" sz="1050">
+              <a:rPr lang="en-US" sz="1050" dirty="0">
                 <a:solidFill>
                   <a:srgbClr val="000000"/>
                 </a:solidFill>
@@ -24604,7 +24929,7 @@
           </a:p>
           <a:p>
             <a:r>
-              <a:rPr lang="en-US" sz="1050">
+              <a:rPr lang="en-US" sz="1050" dirty="0">
                 <a:solidFill>
                   <a:srgbClr val="000000"/>
                 </a:solidFill>
@@ -24615,7 +24940,7 @@
           </a:p>
           <a:p>
             <a:r>
-              <a:rPr lang="en-US" sz="1050">
+              <a:rPr lang="en-US" sz="1050" dirty="0">
                 <a:solidFill>
                   <a:srgbClr val="000000"/>
                 </a:solidFill>
@@ -24623,7 +24948,7 @@
               </a:rPr>
               <a:t>}</a:t>
             </a:r>
-            <a:endParaRPr lang="en-US" sz="1050"/>
+            <a:endParaRPr lang="en-US" sz="1050" dirty="0"/>
           </a:p>
         </p:txBody>
       </p:sp>
